--- a/multiThreading.pptx
+++ b/multiThreading.pptx
@@ -5,79 +5,90 @@
     <p:sldMasterId id="2147483648" r:id="rId1"/>
   </p:sldMasterIdLst>
   <p:notesMasterIdLst>
-    <p:notesMasterId r:id="rId4"/>
+    <p:notesMasterId r:id="rId53"/>
   </p:notesMasterIdLst>
   <p:sldIdLst>
-    <p:sldId id="256" r:id="rId3"/>
-    <p:sldId id="257" r:id="rId5"/>
-    <p:sldId id="258" r:id="rId6"/>
-    <p:sldId id="259" r:id="rId7"/>
-    <p:sldId id="260" r:id="rId8"/>
-    <p:sldId id="261" r:id="rId9"/>
-    <p:sldId id="262" r:id="rId10"/>
-    <p:sldId id="263" r:id="rId11"/>
-    <p:sldId id="264" r:id="rId12"/>
-    <p:sldId id="265" r:id="rId13"/>
-    <p:sldId id="266" r:id="rId14"/>
-    <p:sldId id="267" r:id="rId15"/>
-    <p:sldId id="268" r:id="rId16"/>
-    <p:sldId id="269" r:id="rId17"/>
-    <p:sldId id="270" r:id="rId18"/>
-    <p:sldId id="271" r:id="rId19"/>
-    <p:sldId id="272" r:id="rId20"/>
-    <p:sldId id="273" r:id="rId21"/>
-    <p:sldId id="274" r:id="rId22"/>
-    <p:sldId id="275" r:id="rId23"/>
-    <p:sldId id="276" r:id="rId24"/>
-    <p:sldId id="277" r:id="rId25"/>
-    <p:sldId id="278" r:id="rId26"/>
-    <p:sldId id="279" r:id="rId27"/>
-    <p:sldId id="280" r:id="rId28"/>
-    <p:sldId id="281" r:id="rId29"/>
-    <p:sldId id="282" r:id="rId30"/>
-    <p:sldId id="283" r:id="rId31"/>
-    <p:sldId id="284" r:id="rId32"/>
-    <p:sldId id="285" r:id="rId33"/>
-    <p:sldId id="286" r:id="rId34"/>
-    <p:sldId id="287" r:id="rId35"/>
-    <p:sldId id="288" r:id="rId36"/>
-    <p:sldId id="289" r:id="rId37"/>
-    <p:sldId id="290" r:id="rId38"/>
-    <p:sldId id="291" r:id="rId39"/>
-    <p:sldId id="292" r:id="rId40"/>
-    <p:sldId id="293" r:id="rId41"/>
-    <p:sldId id="294" r:id="rId42"/>
-    <p:sldId id="295" r:id="rId43"/>
-    <p:sldId id="296" r:id="rId44"/>
-    <p:sldId id="297" r:id="rId45"/>
-    <p:sldId id="298" r:id="rId46"/>
-    <p:sldId id="299" r:id="rId47"/>
-    <p:sldId id="300" r:id="rId48"/>
-    <p:sldId id="301" r:id="rId49"/>
-    <p:sldId id="302" r:id="rId50"/>
-    <p:sldId id="303" r:id="rId51"/>
-    <p:sldId id="304" r:id="rId52"/>
-    <p:sldId id="305" r:id="rId53"/>
-    <p:sldId id="306" r:id="rId54"/>
+    <p:sldId id="256" r:id="rId2"/>
+    <p:sldId id="257" r:id="rId3"/>
+    <p:sldId id="258" r:id="rId4"/>
+    <p:sldId id="259" r:id="rId5"/>
+    <p:sldId id="260" r:id="rId6"/>
+    <p:sldId id="261" r:id="rId7"/>
+    <p:sldId id="262" r:id="rId8"/>
+    <p:sldId id="263" r:id="rId9"/>
+    <p:sldId id="264" r:id="rId10"/>
+    <p:sldId id="265" r:id="rId11"/>
+    <p:sldId id="266" r:id="rId12"/>
+    <p:sldId id="267" r:id="rId13"/>
+    <p:sldId id="268" r:id="rId14"/>
+    <p:sldId id="269" r:id="rId15"/>
+    <p:sldId id="270" r:id="rId16"/>
+    <p:sldId id="271" r:id="rId17"/>
+    <p:sldId id="272" r:id="rId18"/>
+    <p:sldId id="273" r:id="rId19"/>
+    <p:sldId id="274" r:id="rId20"/>
+    <p:sldId id="275" r:id="rId21"/>
+    <p:sldId id="276" r:id="rId22"/>
+    <p:sldId id="277" r:id="rId23"/>
+    <p:sldId id="278" r:id="rId24"/>
+    <p:sldId id="279" r:id="rId25"/>
+    <p:sldId id="280" r:id="rId26"/>
+    <p:sldId id="281" r:id="rId27"/>
+    <p:sldId id="282" r:id="rId28"/>
+    <p:sldId id="283" r:id="rId29"/>
+    <p:sldId id="284" r:id="rId30"/>
+    <p:sldId id="285" r:id="rId31"/>
+    <p:sldId id="286" r:id="rId32"/>
+    <p:sldId id="287" r:id="rId33"/>
+    <p:sldId id="288" r:id="rId34"/>
+    <p:sldId id="289" r:id="rId35"/>
+    <p:sldId id="290" r:id="rId36"/>
+    <p:sldId id="291" r:id="rId37"/>
+    <p:sldId id="292" r:id="rId38"/>
+    <p:sldId id="293" r:id="rId39"/>
+    <p:sldId id="294" r:id="rId40"/>
+    <p:sldId id="295" r:id="rId41"/>
+    <p:sldId id="296" r:id="rId42"/>
+    <p:sldId id="297" r:id="rId43"/>
+    <p:sldId id="298" r:id="rId44"/>
+    <p:sldId id="299" r:id="rId45"/>
+    <p:sldId id="300" r:id="rId46"/>
+    <p:sldId id="301" r:id="rId47"/>
+    <p:sldId id="302" r:id="rId48"/>
+    <p:sldId id="303" r:id="rId49"/>
+    <p:sldId id="304" r:id="rId50"/>
+    <p:sldId id="305" r:id="rId51"/>
+    <p:sldId id="306" r:id="rId52"/>
   </p:sldIdLst>
   <p:sldSz cx="12192000" cy="6858000"/>
   <p:notesSz cx="6858000" cy="9144000"/>
   <p:embeddedFontLst>
     <p:embeddedFont>
-      <p:font typeface="Gill Sans" panose="020B0502020104020203"/>
+      <p:font typeface="Calibri" panose="020F0502020204030204" pitchFamily="34" charset="0"/>
+      <p:regular r:id="rId54"/>
+      <p:bold r:id="rId55"/>
+      <p:italic r:id="rId56"/>
+      <p:boldItalic r:id="rId57"/>
+    </p:embeddedFont>
+    <p:embeddedFont>
+      <p:font typeface="Gill Sans" panose="020B0604020202020204" charset="0"/>
       <p:regular r:id="rId58"/>
     </p:embeddedFont>
     <p:embeddedFont>
-      <p:font typeface="Calibri" panose="020F0502020204030204"/>
+      <p:font typeface="Rockwell" panose="02060603020205020403" pitchFamily="18" charset="0"/>
       <p:regular r:id="rId59"/>
+      <p:bold r:id="rId60"/>
+      <p:italic r:id="rId61"/>
+      <p:boldItalic r:id="rId62"/>
     </p:embeddedFont>
     <p:embeddedFont>
-      <p:font typeface="Rockwell Condensed" panose="02060603050405020104" charset="0"/>
-      <p:regular r:id="rId60"/>
+      <p:font typeface="Rockwell Condensed" panose="02060603050405020104" pitchFamily="18" charset="0"/>
+      <p:regular r:id="rId63"/>
+      <p:bold r:id="rId64"/>
     </p:embeddedFont>
     <p:embeddedFont>
-      <p:font typeface="Rockwell" panose="02060603020205020403" charset="0"/>
-      <p:regular r:id="rId61"/>
+      <p:font typeface="Rockwell Extra Bold" panose="02060903040505020403" pitchFamily="18" charset="0"/>
+      <p:bold r:id="rId65"/>
     </p:embeddedFont>
   </p:embeddedFontLst>
   <p:defaultTextStyle>
@@ -175,6 +186,11 @@
       </a:defRPr>
     </a:lvl9pPr>
   </p:defaultTextStyle>
+  <p:extLst>
+    <p:ext uri="{EFAFB233-063F-42B5-8137-9DF3F51BA10A}">
+      <p15:sldGuideLst xmlns:p15="http://schemas.microsoft.com/office/powerpoint/2012/main"/>
+    </p:ext>
+  </p:extLst>
 </p:presentation>
 </file>
 
@@ -379,7 +395,9 @@
               <a:defRPr sz="1100"/>
             </a:lvl9pPr>
           </a:lstStyle>
-          <a:p/>
+          <a:p>
+            <a:endParaRPr/>
+          </a:p>
         </p:txBody>
       </p:sp>
     </p:spTree>
@@ -618,7 +636,7 @@
 </file>
 
 <file path=ppt/notesSlides/notesSlide1.xml><?xml version="1.0" encoding="utf-8"?>
-<p:notes xmlns:a="http://schemas.openxmlformats.org/drawingml/2006/main" xmlns:r="http://schemas.openxmlformats.org/officeDocument/2006/relationships" xmlns:p="http://schemas.openxmlformats.org/presentationml/2006/main" showMasterPhAnim="0" showMasterSp="0">
+<p:notes xmlns:a="http://schemas.openxmlformats.org/drawingml/2006/main" xmlns:r="http://schemas.openxmlformats.org/officeDocument/2006/relationships" xmlns:p="http://schemas.openxmlformats.org/presentationml/2006/main" showMasterSp="0" showMasterPhAnim="0">
   <p:cSld>
     <p:spTree>
       <p:nvGrpSpPr>
@@ -668,6 +686,7 @@
               </a:spcAft>
               <a:buNone/>
             </a:pPr>
+            <a:endParaRPr/>
           </a:p>
         </p:txBody>
       </p:sp>
@@ -721,7 +740,7 @@
 </file>
 
 <file path=ppt/notesSlides/notesSlide10.xml><?xml version="1.0" encoding="utf-8"?>
-<p:notes xmlns:a="http://schemas.openxmlformats.org/drawingml/2006/main" xmlns:r="http://schemas.openxmlformats.org/officeDocument/2006/relationships" xmlns:p="http://schemas.openxmlformats.org/presentationml/2006/main" showMasterPhAnim="0" showMasterSp="0">
+<p:notes xmlns:a="http://schemas.openxmlformats.org/drawingml/2006/main" xmlns:r="http://schemas.openxmlformats.org/officeDocument/2006/relationships" xmlns:p="http://schemas.openxmlformats.org/presentationml/2006/main" showMasterSp="0" showMasterPhAnim="0">
   <p:cSld>
     <p:spTree>
       <p:nvGrpSpPr>
@@ -771,6 +790,7 @@
               </a:spcAft>
               <a:buNone/>
             </a:pPr>
+            <a:endParaRPr/>
           </a:p>
         </p:txBody>
       </p:sp>
@@ -824,7 +844,7 @@
 </file>
 
 <file path=ppt/notesSlides/notesSlide11.xml><?xml version="1.0" encoding="utf-8"?>
-<p:notes xmlns:a="http://schemas.openxmlformats.org/drawingml/2006/main" xmlns:r="http://schemas.openxmlformats.org/officeDocument/2006/relationships" xmlns:p="http://schemas.openxmlformats.org/presentationml/2006/main" showMasterPhAnim="0" showMasterSp="0">
+<p:notes xmlns:a="http://schemas.openxmlformats.org/drawingml/2006/main" xmlns:r="http://schemas.openxmlformats.org/officeDocument/2006/relationships" xmlns:p="http://schemas.openxmlformats.org/presentationml/2006/main" showMasterSp="0" showMasterPhAnim="0">
   <p:cSld>
     <p:spTree>
       <p:nvGrpSpPr>
@@ -874,6 +894,7 @@
               </a:spcAft>
               <a:buNone/>
             </a:pPr>
+            <a:endParaRPr/>
           </a:p>
         </p:txBody>
       </p:sp>
@@ -927,7 +948,7 @@
 </file>
 
 <file path=ppt/notesSlides/notesSlide12.xml><?xml version="1.0" encoding="utf-8"?>
-<p:notes xmlns:a="http://schemas.openxmlformats.org/drawingml/2006/main" xmlns:r="http://schemas.openxmlformats.org/officeDocument/2006/relationships" xmlns:p="http://schemas.openxmlformats.org/presentationml/2006/main" showMasterPhAnim="0" showMasterSp="0">
+<p:notes xmlns:a="http://schemas.openxmlformats.org/drawingml/2006/main" xmlns:r="http://schemas.openxmlformats.org/officeDocument/2006/relationships" xmlns:p="http://schemas.openxmlformats.org/presentationml/2006/main" showMasterSp="0" showMasterPhAnim="0">
   <p:cSld>
     <p:spTree>
       <p:nvGrpSpPr>
@@ -977,6 +998,7 @@
               </a:spcAft>
               <a:buNone/>
             </a:pPr>
+            <a:endParaRPr/>
           </a:p>
         </p:txBody>
       </p:sp>
@@ -1030,7 +1052,7 @@
 </file>
 
 <file path=ppt/notesSlides/notesSlide13.xml><?xml version="1.0" encoding="utf-8"?>
-<p:notes xmlns:a="http://schemas.openxmlformats.org/drawingml/2006/main" xmlns:r="http://schemas.openxmlformats.org/officeDocument/2006/relationships" xmlns:p="http://schemas.openxmlformats.org/presentationml/2006/main" showMasterPhAnim="0" showMasterSp="0">
+<p:notes xmlns:a="http://schemas.openxmlformats.org/drawingml/2006/main" xmlns:r="http://schemas.openxmlformats.org/officeDocument/2006/relationships" xmlns:p="http://schemas.openxmlformats.org/presentationml/2006/main" showMasterSp="0" showMasterPhAnim="0">
   <p:cSld>
     <p:spTree>
       <p:nvGrpSpPr>
@@ -1080,6 +1102,7 @@
               </a:spcAft>
               <a:buNone/>
             </a:pPr>
+            <a:endParaRPr/>
           </a:p>
         </p:txBody>
       </p:sp>
@@ -1133,7 +1156,7 @@
 </file>
 
 <file path=ppt/notesSlides/notesSlide14.xml><?xml version="1.0" encoding="utf-8"?>
-<p:notes xmlns:a="http://schemas.openxmlformats.org/drawingml/2006/main" xmlns:r="http://schemas.openxmlformats.org/officeDocument/2006/relationships" xmlns:p="http://schemas.openxmlformats.org/presentationml/2006/main" showMasterPhAnim="0" showMasterSp="0">
+<p:notes xmlns:a="http://schemas.openxmlformats.org/drawingml/2006/main" xmlns:r="http://schemas.openxmlformats.org/officeDocument/2006/relationships" xmlns:p="http://schemas.openxmlformats.org/presentationml/2006/main" showMasterSp="0" showMasterPhAnim="0">
   <p:cSld>
     <p:spTree>
       <p:nvGrpSpPr>
@@ -1183,6 +1206,7 @@
               </a:spcAft>
               <a:buNone/>
             </a:pPr>
+            <a:endParaRPr/>
           </a:p>
         </p:txBody>
       </p:sp>
@@ -1236,7 +1260,7 @@
 </file>
 
 <file path=ppt/notesSlides/notesSlide15.xml><?xml version="1.0" encoding="utf-8"?>
-<p:notes xmlns:a="http://schemas.openxmlformats.org/drawingml/2006/main" xmlns:r="http://schemas.openxmlformats.org/officeDocument/2006/relationships" xmlns:p="http://schemas.openxmlformats.org/presentationml/2006/main" showMasterPhAnim="0" showMasterSp="0">
+<p:notes xmlns:a="http://schemas.openxmlformats.org/drawingml/2006/main" xmlns:r="http://schemas.openxmlformats.org/officeDocument/2006/relationships" xmlns:p="http://schemas.openxmlformats.org/presentationml/2006/main" showMasterSp="0" showMasterPhAnim="0">
   <p:cSld>
     <p:spTree>
       <p:nvGrpSpPr>
@@ -1286,6 +1310,7 @@
               </a:spcAft>
               <a:buNone/>
             </a:pPr>
+            <a:endParaRPr/>
           </a:p>
         </p:txBody>
       </p:sp>
@@ -1339,7 +1364,7 @@
 </file>
 
 <file path=ppt/notesSlides/notesSlide16.xml><?xml version="1.0" encoding="utf-8"?>
-<p:notes xmlns:a="http://schemas.openxmlformats.org/drawingml/2006/main" xmlns:r="http://schemas.openxmlformats.org/officeDocument/2006/relationships" xmlns:p="http://schemas.openxmlformats.org/presentationml/2006/main" showMasterPhAnim="0" showMasterSp="0">
+<p:notes xmlns:a="http://schemas.openxmlformats.org/drawingml/2006/main" xmlns:r="http://schemas.openxmlformats.org/officeDocument/2006/relationships" xmlns:p="http://schemas.openxmlformats.org/presentationml/2006/main" showMasterSp="0" showMasterPhAnim="0">
   <p:cSld>
     <p:spTree>
       <p:nvGrpSpPr>
@@ -1389,6 +1414,7 @@
               </a:spcAft>
               <a:buNone/>
             </a:pPr>
+            <a:endParaRPr/>
           </a:p>
         </p:txBody>
       </p:sp>
@@ -1442,7 +1468,7 @@
 </file>
 
 <file path=ppt/notesSlides/notesSlide17.xml><?xml version="1.0" encoding="utf-8"?>
-<p:notes xmlns:a="http://schemas.openxmlformats.org/drawingml/2006/main" xmlns:r="http://schemas.openxmlformats.org/officeDocument/2006/relationships" xmlns:p="http://schemas.openxmlformats.org/presentationml/2006/main" showMasterPhAnim="0" showMasterSp="0">
+<p:notes xmlns:a="http://schemas.openxmlformats.org/drawingml/2006/main" xmlns:r="http://schemas.openxmlformats.org/officeDocument/2006/relationships" xmlns:p="http://schemas.openxmlformats.org/presentationml/2006/main" showMasterSp="0" showMasterPhAnim="0">
   <p:cSld>
     <p:spTree>
       <p:nvGrpSpPr>
@@ -1492,6 +1518,7 @@
               </a:spcAft>
               <a:buNone/>
             </a:pPr>
+            <a:endParaRPr/>
           </a:p>
         </p:txBody>
       </p:sp>
@@ -1545,7 +1572,7 @@
 </file>
 
 <file path=ppt/notesSlides/notesSlide18.xml><?xml version="1.0" encoding="utf-8"?>
-<p:notes xmlns:a="http://schemas.openxmlformats.org/drawingml/2006/main" xmlns:r="http://schemas.openxmlformats.org/officeDocument/2006/relationships" xmlns:p="http://schemas.openxmlformats.org/presentationml/2006/main" showMasterPhAnim="0" showMasterSp="0">
+<p:notes xmlns:a="http://schemas.openxmlformats.org/drawingml/2006/main" xmlns:r="http://schemas.openxmlformats.org/officeDocument/2006/relationships" xmlns:p="http://schemas.openxmlformats.org/presentationml/2006/main" showMasterSp="0" showMasterPhAnim="0">
   <p:cSld>
     <p:spTree>
       <p:nvGrpSpPr>
@@ -1595,6 +1622,7 @@
               </a:spcAft>
               <a:buNone/>
             </a:pPr>
+            <a:endParaRPr/>
           </a:p>
         </p:txBody>
       </p:sp>
@@ -1648,7 +1676,7 @@
 </file>
 
 <file path=ppt/notesSlides/notesSlide19.xml><?xml version="1.0" encoding="utf-8"?>
-<p:notes xmlns:a="http://schemas.openxmlformats.org/drawingml/2006/main" xmlns:r="http://schemas.openxmlformats.org/officeDocument/2006/relationships" xmlns:p="http://schemas.openxmlformats.org/presentationml/2006/main" showMasterPhAnim="0" showMasterSp="0">
+<p:notes xmlns:a="http://schemas.openxmlformats.org/drawingml/2006/main" xmlns:r="http://schemas.openxmlformats.org/officeDocument/2006/relationships" xmlns:p="http://schemas.openxmlformats.org/presentationml/2006/main" showMasterSp="0" showMasterPhAnim="0">
   <p:cSld>
     <p:spTree>
       <p:nvGrpSpPr>
@@ -1698,6 +1726,7 @@
               </a:spcAft>
               <a:buNone/>
             </a:pPr>
+            <a:endParaRPr/>
           </a:p>
         </p:txBody>
       </p:sp>
@@ -1751,7 +1780,7 @@
 </file>
 
 <file path=ppt/notesSlides/notesSlide2.xml><?xml version="1.0" encoding="utf-8"?>
-<p:notes xmlns:a="http://schemas.openxmlformats.org/drawingml/2006/main" xmlns:r="http://schemas.openxmlformats.org/officeDocument/2006/relationships" xmlns:p="http://schemas.openxmlformats.org/presentationml/2006/main" showMasterPhAnim="0" showMasterSp="0">
+<p:notes xmlns:a="http://schemas.openxmlformats.org/drawingml/2006/main" xmlns:r="http://schemas.openxmlformats.org/officeDocument/2006/relationships" xmlns:p="http://schemas.openxmlformats.org/presentationml/2006/main" showMasterSp="0" showMasterPhAnim="0">
   <p:cSld>
     <p:spTree>
       <p:nvGrpSpPr>
@@ -1801,6 +1830,7 @@
               </a:spcAft>
               <a:buNone/>
             </a:pPr>
+            <a:endParaRPr/>
           </a:p>
         </p:txBody>
       </p:sp>
@@ -1854,7 +1884,7 @@
 </file>
 
 <file path=ppt/notesSlides/notesSlide20.xml><?xml version="1.0" encoding="utf-8"?>
-<p:notes xmlns:a="http://schemas.openxmlformats.org/drawingml/2006/main" xmlns:r="http://schemas.openxmlformats.org/officeDocument/2006/relationships" xmlns:p="http://schemas.openxmlformats.org/presentationml/2006/main" showMasterPhAnim="0" showMasterSp="0">
+<p:notes xmlns:a="http://schemas.openxmlformats.org/drawingml/2006/main" xmlns:r="http://schemas.openxmlformats.org/officeDocument/2006/relationships" xmlns:p="http://schemas.openxmlformats.org/presentationml/2006/main" showMasterSp="0" showMasterPhAnim="0">
   <p:cSld>
     <p:spTree>
       <p:nvGrpSpPr>
@@ -1904,6 +1934,7 @@
               </a:spcAft>
               <a:buNone/>
             </a:pPr>
+            <a:endParaRPr/>
           </a:p>
         </p:txBody>
       </p:sp>
@@ -1957,7 +1988,7 @@
 </file>
 
 <file path=ppt/notesSlides/notesSlide21.xml><?xml version="1.0" encoding="utf-8"?>
-<p:notes xmlns:a="http://schemas.openxmlformats.org/drawingml/2006/main" xmlns:r="http://schemas.openxmlformats.org/officeDocument/2006/relationships" xmlns:p="http://schemas.openxmlformats.org/presentationml/2006/main" showMasterPhAnim="0" showMasterSp="0">
+<p:notes xmlns:a="http://schemas.openxmlformats.org/drawingml/2006/main" xmlns:r="http://schemas.openxmlformats.org/officeDocument/2006/relationships" xmlns:p="http://schemas.openxmlformats.org/presentationml/2006/main" showMasterSp="0" showMasterPhAnim="0">
   <p:cSld>
     <p:spTree>
       <p:nvGrpSpPr>
@@ -2007,6 +2038,7 @@
               </a:spcAft>
               <a:buNone/>
             </a:pPr>
+            <a:endParaRPr/>
           </a:p>
         </p:txBody>
       </p:sp>
@@ -2060,7 +2092,7 @@
 </file>
 
 <file path=ppt/notesSlides/notesSlide22.xml><?xml version="1.0" encoding="utf-8"?>
-<p:notes xmlns:a="http://schemas.openxmlformats.org/drawingml/2006/main" xmlns:r="http://schemas.openxmlformats.org/officeDocument/2006/relationships" xmlns:p="http://schemas.openxmlformats.org/presentationml/2006/main" showMasterPhAnim="0" showMasterSp="0">
+<p:notes xmlns:a="http://schemas.openxmlformats.org/drawingml/2006/main" xmlns:r="http://schemas.openxmlformats.org/officeDocument/2006/relationships" xmlns:p="http://schemas.openxmlformats.org/presentationml/2006/main" showMasterSp="0" showMasterPhAnim="0">
   <p:cSld>
     <p:spTree>
       <p:nvGrpSpPr>
@@ -2110,6 +2142,7 @@
               </a:spcAft>
               <a:buNone/>
             </a:pPr>
+            <a:endParaRPr/>
           </a:p>
         </p:txBody>
       </p:sp>
@@ -2163,7 +2196,7 @@
 </file>
 
 <file path=ppt/notesSlides/notesSlide23.xml><?xml version="1.0" encoding="utf-8"?>
-<p:notes xmlns:a="http://schemas.openxmlformats.org/drawingml/2006/main" xmlns:r="http://schemas.openxmlformats.org/officeDocument/2006/relationships" xmlns:p="http://schemas.openxmlformats.org/presentationml/2006/main" showMasterPhAnim="0" showMasterSp="0">
+<p:notes xmlns:a="http://schemas.openxmlformats.org/drawingml/2006/main" xmlns:r="http://schemas.openxmlformats.org/officeDocument/2006/relationships" xmlns:p="http://schemas.openxmlformats.org/presentationml/2006/main" showMasterSp="0" showMasterPhAnim="0">
   <p:cSld>
     <p:spTree>
       <p:nvGrpSpPr>
@@ -2213,6 +2246,7 @@
               </a:spcAft>
               <a:buNone/>
             </a:pPr>
+            <a:endParaRPr/>
           </a:p>
         </p:txBody>
       </p:sp>
@@ -2266,7 +2300,7 @@
 </file>
 
 <file path=ppt/notesSlides/notesSlide24.xml><?xml version="1.0" encoding="utf-8"?>
-<p:notes xmlns:a="http://schemas.openxmlformats.org/drawingml/2006/main" xmlns:r="http://schemas.openxmlformats.org/officeDocument/2006/relationships" xmlns:p="http://schemas.openxmlformats.org/presentationml/2006/main" showMasterPhAnim="0" showMasterSp="0">
+<p:notes xmlns:a="http://schemas.openxmlformats.org/drawingml/2006/main" xmlns:r="http://schemas.openxmlformats.org/officeDocument/2006/relationships" xmlns:p="http://schemas.openxmlformats.org/presentationml/2006/main" showMasterSp="0" showMasterPhAnim="0">
   <p:cSld>
     <p:spTree>
       <p:nvGrpSpPr>
@@ -2316,6 +2350,7 @@
               </a:spcAft>
               <a:buNone/>
             </a:pPr>
+            <a:endParaRPr/>
           </a:p>
         </p:txBody>
       </p:sp>
@@ -2369,7 +2404,7 @@
 </file>
 
 <file path=ppt/notesSlides/notesSlide25.xml><?xml version="1.0" encoding="utf-8"?>
-<p:notes xmlns:a="http://schemas.openxmlformats.org/drawingml/2006/main" xmlns:r="http://schemas.openxmlformats.org/officeDocument/2006/relationships" xmlns:p="http://schemas.openxmlformats.org/presentationml/2006/main" showMasterPhAnim="0" showMasterSp="0">
+<p:notes xmlns:a="http://schemas.openxmlformats.org/drawingml/2006/main" xmlns:r="http://schemas.openxmlformats.org/officeDocument/2006/relationships" xmlns:p="http://schemas.openxmlformats.org/presentationml/2006/main" showMasterSp="0" showMasterPhAnim="0">
   <p:cSld>
     <p:spTree>
       <p:nvGrpSpPr>
@@ -2419,6 +2454,7 @@
               </a:spcAft>
               <a:buNone/>
             </a:pPr>
+            <a:endParaRPr/>
           </a:p>
         </p:txBody>
       </p:sp>
@@ -2472,7 +2508,7 @@
 </file>
 
 <file path=ppt/notesSlides/notesSlide26.xml><?xml version="1.0" encoding="utf-8"?>
-<p:notes xmlns:a="http://schemas.openxmlformats.org/drawingml/2006/main" xmlns:r="http://schemas.openxmlformats.org/officeDocument/2006/relationships" xmlns:p="http://schemas.openxmlformats.org/presentationml/2006/main" showMasterPhAnim="0" showMasterSp="0">
+<p:notes xmlns:a="http://schemas.openxmlformats.org/drawingml/2006/main" xmlns:r="http://schemas.openxmlformats.org/officeDocument/2006/relationships" xmlns:p="http://schemas.openxmlformats.org/presentationml/2006/main" showMasterSp="0" showMasterPhAnim="0">
   <p:cSld>
     <p:spTree>
       <p:nvGrpSpPr>
@@ -2522,6 +2558,7 @@
               </a:spcAft>
               <a:buNone/>
             </a:pPr>
+            <a:endParaRPr/>
           </a:p>
         </p:txBody>
       </p:sp>
@@ -2575,7 +2612,7 @@
 </file>
 
 <file path=ppt/notesSlides/notesSlide27.xml><?xml version="1.0" encoding="utf-8"?>
-<p:notes xmlns:a="http://schemas.openxmlformats.org/drawingml/2006/main" xmlns:r="http://schemas.openxmlformats.org/officeDocument/2006/relationships" xmlns:p="http://schemas.openxmlformats.org/presentationml/2006/main" showMasterPhAnim="0" showMasterSp="0">
+<p:notes xmlns:a="http://schemas.openxmlformats.org/drawingml/2006/main" xmlns:r="http://schemas.openxmlformats.org/officeDocument/2006/relationships" xmlns:p="http://schemas.openxmlformats.org/presentationml/2006/main" showMasterSp="0" showMasterPhAnim="0">
   <p:cSld>
     <p:spTree>
       <p:nvGrpSpPr>
@@ -2625,6 +2662,7 @@
               </a:spcAft>
               <a:buNone/>
             </a:pPr>
+            <a:endParaRPr/>
           </a:p>
         </p:txBody>
       </p:sp>
@@ -2678,7 +2716,7 @@
 </file>
 
 <file path=ppt/notesSlides/notesSlide28.xml><?xml version="1.0" encoding="utf-8"?>
-<p:notes xmlns:a="http://schemas.openxmlformats.org/drawingml/2006/main" xmlns:r="http://schemas.openxmlformats.org/officeDocument/2006/relationships" xmlns:p="http://schemas.openxmlformats.org/presentationml/2006/main" showMasterPhAnim="0" showMasterSp="0">
+<p:notes xmlns:a="http://schemas.openxmlformats.org/drawingml/2006/main" xmlns:r="http://schemas.openxmlformats.org/officeDocument/2006/relationships" xmlns:p="http://schemas.openxmlformats.org/presentationml/2006/main" showMasterSp="0" showMasterPhAnim="0">
   <p:cSld>
     <p:spTree>
       <p:nvGrpSpPr>
@@ -2728,6 +2766,7 @@
               </a:spcAft>
               <a:buNone/>
             </a:pPr>
+            <a:endParaRPr/>
           </a:p>
         </p:txBody>
       </p:sp>
@@ -2781,7 +2820,7 @@
 </file>
 
 <file path=ppt/notesSlides/notesSlide29.xml><?xml version="1.0" encoding="utf-8"?>
-<p:notes xmlns:a="http://schemas.openxmlformats.org/drawingml/2006/main" xmlns:r="http://schemas.openxmlformats.org/officeDocument/2006/relationships" xmlns:p="http://schemas.openxmlformats.org/presentationml/2006/main" showMasterPhAnim="0" showMasterSp="0">
+<p:notes xmlns:a="http://schemas.openxmlformats.org/drawingml/2006/main" xmlns:r="http://schemas.openxmlformats.org/officeDocument/2006/relationships" xmlns:p="http://schemas.openxmlformats.org/presentationml/2006/main" showMasterSp="0" showMasterPhAnim="0">
   <p:cSld>
     <p:spTree>
       <p:nvGrpSpPr>
@@ -2831,6 +2870,7 @@
               </a:spcAft>
               <a:buNone/>
             </a:pPr>
+            <a:endParaRPr/>
           </a:p>
         </p:txBody>
       </p:sp>
@@ -2884,7 +2924,7 @@
 </file>
 
 <file path=ppt/notesSlides/notesSlide3.xml><?xml version="1.0" encoding="utf-8"?>
-<p:notes xmlns:a="http://schemas.openxmlformats.org/drawingml/2006/main" xmlns:r="http://schemas.openxmlformats.org/officeDocument/2006/relationships" xmlns:p="http://schemas.openxmlformats.org/presentationml/2006/main" showMasterPhAnim="0" showMasterSp="0">
+<p:notes xmlns:a="http://schemas.openxmlformats.org/drawingml/2006/main" xmlns:r="http://schemas.openxmlformats.org/officeDocument/2006/relationships" xmlns:p="http://schemas.openxmlformats.org/presentationml/2006/main" showMasterSp="0" showMasterPhAnim="0">
   <p:cSld>
     <p:spTree>
       <p:nvGrpSpPr>
@@ -2934,6 +2974,7 @@
               </a:spcAft>
               <a:buNone/>
             </a:pPr>
+            <a:endParaRPr/>
           </a:p>
         </p:txBody>
       </p:sp>
@@ -2987,7 +3028,7 @@
 </file>
 
 <file path=ppt/notesSlides/notesSlide30.xml><?xml version="1.0" encoding="utf-8"?>
-<p:notes xmlns:a="http://schemas.openxmlformats.org/drawingml/2006/main" xmlns:r="http://schemas.openxmlformats.org/officeDocument/2006/relationships" xmlns:p="http://schemas.openxmlformats.org/presentationml/2006/main" showMasterPhAnim="0" showMasterSp="0">
+<p:notes xmlns:a="http://schemas.openxmlformats.org/drawingml/2006/main" xmlns:r="http://schemas.openxmlformats.org/officeDocument/2006/relationships" xmlns:p="http://schemas.openxmlformats.org/presentationml/2006/main" showMasterSp="0" showMasterPhAnim="0">
   <p:cSld>
     <p:spTree>
       <p:nvGrpSpPr>
@@ -3037,6 +3078,7 @@
               </a:spcAft>
               <a:buNone/>
             </a:pPr>
+            <a:endParaRPr/>
           </a:p>
         </p:txBody>
       </p:sp>
@@ -3090,7 +3132,7 @@
 </file>
 
 <file path=ppt/notesSlides/notesSlide31.xml><?xml version="1.0" encoding="utf-8"?>
-<p:notes xmlns:a="http://schemas.openxmlformats.org/drawingml/2006/main" xmlns:r="http://schemas.openxmlformats.org/officeDocument/2006/relationships" xmlns:p="http://schemas.openxmlformats.org/presentationml/2006/main" showMasterPhAnim="0" showMasterSp="0">
+<p:notes xmlns:a="http://schemas.openxmlformats.org/drawingml/2006/main" xmlns:r="http://schemas.openxmlformats.org/officeDocument/2006/relationships" xmlns:p="http://schemas.openxmlformats.org/presentationml/2006/main" showMasterSp="0" showMasterPhAnim="0">
   <p:cSld>
     <p:spTree>
       <p:nvGrpSpPr>
@@ -3140,6 +3182,7 @@
               </a:spcAft>
               <a:buNone/>
             </a:pPr>
+            <a:endParaRPr/>
           </a:p>
         </p:txBody>
       </p:sp>
@@ -3193,7 +3236,7 @@
 </file>
 
 <file path=ppt/notesSlides/notesSlide32.xml><?xml version="1.0" encoding="utf-8"?>
-<p:notes xmlns:a="http://schemas.openxmlformats.org/drawingml/2006/main" xmlns:r="http://schemas.openxmlformats.org/officeDocument/2006/relationships" xmlns:p="http://schemas.openxmlformats.org/presentationml/2006/main" showMasterPhAnim="0" showMasterSp="0">
+<p:notes xmlns:a="http://schemas.openxmlformats.org/drawingml/2006/main" xmlns:r="http://schemas.openxmlformats.org/officeDocument/2006/relationships" xmlns:p="http://schemas.openxmlformats.org/presentationml/2006/main" showMasterSp="0" showMasterPhAnim="0">
   <p:cSld>
     <p:spTree>
       <p:nvGrpSpPr>
@@ -3243,6 +3286,7 @@
               </a:spcAft>
               <a:buNone/>
             </a:pPr>
+            <a:endParaRPr/>
           </a:p>
         </p:txBody>
       </p:sp>
@@ -3296,7 +3340,7 @@
 </file>
 
 <file path=ppt/notesSlides/notesSlide33.xml><?xml version="1.0" encoding="utf-8"?>
-<p:notes xmlns:a="http://schemas.openxmlformats.org/drawingml/2006/main" xmlns:r="http://schemas.openxmlformats.org/officeDocument/2006/relationships" xmlns:p="http://schemas.openxmlformats.org/presentationml/2006/main" showMasterPhAnim="0" showMasterSp="0">
+<p:notes xmlns:a="http://schemas.openxmlformats.org/drawingml/2006/main" xmlns:r="http://schemas.openxmlformats.org/officeDocument/2006/relationships" xmlns:p="http://schemas.openxmlformats.org/presentationml/2006/main" showMasterSp="0" showMasterPhAnim="0">
   <p:cSld>
     <p:spTree>
       <p:nvGrpSpPr>
@@ -3346,6 +3390,7 @@
               </a:spcAft>
               <a:buNone/>
             </a:pPr>
+            <a:endParaRPr/>
           </a:p>
         </p:txBody>
       </p:sp>
@@ -3399,7 +3444,7 @@
 </file>
 
 <file path=ppt/notesSlides/notesSlide34.xml><?xml version="1.0" encoding="utf-8"?>
-<p:notes xmlns:a="http://schemas.openxmlformats.org/drawingml/2006/main" xmlns:r="http://schemas.openxmlformats.org/officeDocument/2006/relationships" xmlns:p="http://schemas.openxmlformats.org/presentationml/2006/main" showMasterPhAnim="0" showMasterSp="0">
+<p:notes xmlns:a="http://schemas.openxmlformats.org/drawingml/2006/main" xmlns:r="http://schemas.openxmlformats.org/officeDocument/2006/relationships" xmlns:p="http://schemas.openxmlformats.org/presentationml/2006/main" showMasterSp="0" showMasterPhAnim="0">
   <p:cSld>
     <p:spTree>
       <p:nvGrpSpPr>
@@ -3449,6 +3494,7 @@
               </a:spcAft>
               <a:buNone/>
             </a:pPr>
+            <a:endParaRPr/>
           </a:p>
         </p:txBody>
       </p:sp>
@@ -3502,7 +3548,7 @@
 </file>
 
 <file path=ppt/notesSlides/notesSlide35.xml><?xml version="1.0" encoding="utf-8"?>
-<p:notes xmlns:a="http://schemas.openxmlformats.org/drawingml/2006/main" xmlns:r="http://schemas.openxmlformats.org/officeDocument/2006/relationships" xmlns:p="http://schemas.openxmlformats.org/presentationml/2006/main" showMasterPhAnim="0" showMasterSp="0">
+<p:notes xmlns:a="http://schemas.openxmlformats.org/drawingml/2006/main" xmlns:r="http://schemas.openxmlformats.org/officeDocument/2006/relationships" xmlns:p="http://schemas.openxmlformats.org/presentationml/2006/main" showMasterSp="0" showMasterPhAnim="0">
   <p:cSld>
     <p:spTree>
       <p:nvGrpSpPr>
@@ -3552,6 +3598,7 @@
               </a:spcAft>
               <a:buNone/>
             </a:pPr>
+            <a:endParaRPr/>
           </a:p>
         </p:txBody>
       </p:sp>
@@ -3605,7 +3652,7 @@
 </file>
 
 <file path=ppt/notesSlides/notesSlide36.xml><?xml version="1.0" encoding="utf-8"?>
-<p:notes xmlns:a="http://schemas.openxmlformats.org/drawingml/2006/main" xmlns:r="http://schemas.openxmlformats.org/officeDocument/2006/relationships" xmlns:p="http://schemas.openxmlformats.org/presentationml/2006/main" showMasterPhAnim="0" showMasterSp="0">
+<p:notes xmlns:a="http://schemas.openxmlformats.org/drawingml/2006/main" xmlns:r="http://schemas.openxmlformats.org/officeDocument/2006/relationships" xmlns:p="http://schemas.openxmlformats.org/presentationml/2006/main" showMasterSp="0" showMasterPhAnim="0">
   <p:cSld>
     <p:spTree>
       <p:nvGrpSpPr>
@@ -3655,6 +3702,7 @@
               </a:spcAft>
               <a:buNone/>
             </a:pPr>
+            <a:endParaRPr/>
           </a:p>
         </p:txBody>
       </p:sp>
@@ -3708,7 +3756,7 @@
 </file>
 
 <file path=ppt/notesSlides/notesSlide37.xml><?xml version="1.0" encoding="utf-8"?>
-<p:notes xmlns:a="http://schemas.openxmlformats.org/drawingml/2006/main" xmlns:r="http://schemas.openxmlformats.org/officeDocument/2006/relationships" xmlns:p="http://schemas.openxmlformats.org/presentationml/2006/main" showMasterPhAnim="0" showMasterSp="0">
+<p:notes xmlns:a="http://schemas.openxmlformats.org/drawingml/2006/main" xmlns:r="http://schemas.openxmlformats.org/officeDocument/2006/relationships" xmlns:p="http://schemas.openxmlformats.org/presentationml/2006/main" showMasterSp="0" showMasterPhAnim="0">
   <p:cSld>
     <p:spTree>
       <p:nvGrpSpPr>
@@ -3758,6 +3806,7 @@
               </a:spcAft>
               <a:buNone/>
             </a:pPr>
+            <a:endParaRPr/>
           </a:p>
         </p:txBody>
       </p:sp>
@@ -3811,7 +3860,7 @@
 </file>
 
 <file path=ppt/notesSlides/notesSlide38.xml><?xml version="1.0" encoding="utf-8"?>
-<p:notes xmlns:a="http://schemas.openxmlformats.org/drawingml/2006/main" xmlns:r="http://schemas.openxmlformats.org/officeDocument/2006/relationships" xmlns:p="http://schemas.openxmlformats.org/presentationml/2006/main" showMasterPhAnim="0" showMasterSp="0">
+<p:notes xmlns:a="http://schemas.openxmlformats.org/drawingml/2006/main" xmlns:r="http://schemas.openxmlformats.org/officeDocument/2006/relationships" xmlns:p="http://schemas.openxmlformats.org/presentationml/2006/main" showMasterSp="0" showMasterPhAnim="0">
   <p:cSld>
     <p:spTree>
       <p:nvGrpSpPr>
@@ -3861,6 +3910,7 @@
               </a:spcAft>
               <a:buNone/>
             </a:pPr>
+            <a:endParaRPr/>
           </a:p>
         </p:txBody>
       </p:sp>
@@ -3914,7 +3964,7 @@
 </file>
 
 <file path=ppt/notesSlides/notesSlide39.xml><?xml version="1.0" encoding="utf-8"?>
-<p:notes xmlns:a="http://schemas.openxmlformats.org/drawingml/2006/main" xmlns:r="http://schemas.openxmlformats.org/officeDocument/2006/relationships" xmlns:p="http://schemas.openxmlformats.org/presentationml/2006/main" showMasterPhAnim="0" showMasterSp="0">
+<p:notes xmlns:a="http://schemas.openxmlformats.org/drawingml/2006/main" xmlns:r="http://schemas.openxmlformats.org/officeDocument/2006/relationships" xmlns:p="http://schemas.openxmlformats.org/presentationml/2006/main" showMasterSp="0" showMasterPhAnim="0">
   <p:cSld>
     <p:spTree>
       <p:nvGrpSpPr>
@@ -3964,6 +4014,7 @@
               </a:spcAft>
               <a:buNone/>
             </a:pPr>
+            <a:endParaRPr/>
           </a:p>
         </p:txBody>
       </p:sp>
@@ -4017,7 +4068,7 @@
 </file>
 
 <file path=ppt/notesSlides/notesSlide4.xml><?xml version="1.0" encoding="utf-8"?>
-<p:notes xmlns:a="http://schemas.openxmlformats.org/drawingml/2006/main" xmlns:r="http://schemas.openxmlformats.org/officeDocument/2006/relationships" xmlns:p="http://schemas.openxmlformats.org/presentationml/2006/main" showMasterPhAnim="0" showMasterSp="0">
+<p:notes xmlns:a="http://schemas.openxmlformats.org/drawingml/2006/main" xmlns:r="http://schemas.openxmlformats.org/officeDocument/2006/relationships" xmlns:p="http://schemas.openxmlformats.org/presentationml/2006/main" showMasterSp="0" showMasterPhAnim="0">
   <p:cSld>
     <p:spTree>
       <p:nvGrpSpPr>
@@ -4067,6 +4118,7 @@
               </a:spcAft>
               <a:buNone/>
             </a:pPr>
+            <a:endParaRPr/>
           </a:p>
         </p:txBody>
       </p:sp>
@@ -4120,7 +4172,7 @@
 </file>
 
 <file path=ppt/notesSlides/notesSlide40.xml><?xml version="1.0" encoding="utf-8"?>
-<p:notes xmlns:a="http://schemas.openxmlformats.org/drawingml/2006/main" xmlns:r="http://schemas.openxmlformats.org/officeDocument/2006/relationships" xmlns:p="http://schemas.openxmlformats.org/presentationml/2006/main" showMasterPhAnim="0" showMasterSp="0">
+<p:notes xmlns:a="http://schemas.openxmlformats.org/drawingml/2006/main" xmlns:r="http://schemas.openxmlformats.org/officeDocument/2006/relationships" xmlns:p="http://schemas.openxmlformats.org/presentationml/2006/main" showMasterSp="0" showMasterPhAnim="0">
   <p:cSld>
     <p:spTree>
       <p:nvGrpSpPr>
@@ -4170,6 +4222,7 @@
               </a:spcAft>
               <a:buNone/>
             </a:pPr>
+            <a:endParaRPr/>
           </a:p>
         </p:txBody>
       </p:sp>
@@ -4223,7 +4276,7 @@
 </file>
 
 <file path=ppt/notesSlides/notesSlide41.xml><?xml version="1.0" encoding="utf-8"?>
-<p:notes xmlns:a="http://schemas.openxmlformats.org/drawingml/2006/main" xmlns:r="http://schemas.openxmlformats.org/officeDocument/2006/relationships" xmlns:p="http://schemas.openxmlformats.org/presentationml/2006/main" showMasterPhAnim="0" showMasterSp="0">
+<p:notes xmlns:a="http://schemas.openxmlformats.org/drawingml/2006/main" xmlns:r="http://schemas.openxmlformats.org/officeDocument/2006/relationships" xmlns:p="http://schemas.openxmlformats.org/presentationml/2006/main" showMasterSp="0" showMasterPhAnim="0">
   <p:cSld>
     <p:spTree>
       <p:nvGrpSpPr>
@@ -4273,6 +4326,7 @@
               </a:spcAft>
               <a:buNone/>
             </a:pPr>
+            <a:endParaRPr/>
           </a:p>
         </p:txBody>
       </p:sp>
@@ -4326,7 +4380,7 @@
 </file>
 
 <file path=ppt/notesSlides/notesSlide42.xml><?xml version="1.0" encoding="utf-8"?>
-<p:notes xmlns:a="http://schemas.openxmlformats.org/drawingml/2006/main" xmlns:r="http://schemas.openxmlformats.org/officeDocument/2006/relationships" xmlns:p="http://schemas.openxmlformats.org/presentationml/2006/main" showMasterPhAnim="0" showMasterSp="0">
+<p:notes xmlns:a="http://schemas.openxmlformats.org/drawingml/2006/main" xmlns:r="http://schemas.openxmlformats.org/officeDocument/2006/relationships" xmlns:p="http://schemas.openxmlformats.org/presentationml/2006/main" showMasterSp="0" showMasterPhAnim="0">
   <p:cSld>
     <p:spTree>
       <p:nvGrpSpPr>
@@ -4376,6 +4430,7 @@
               </a:spcAft>
               <a:buNone/>
             </a:pPr>
+            <a:endParaRPr/>
           </a:p>
         </p:txBody>
       </p:sp>
@@ -4429,7 +4484,7 @@
 </file>
 
 <file path=ppt/notesSlides/notesSlide43.xml><?xml version="1.0" encoding="utf-8"?>
-<p:notes xmlns:a="http://schemas.openxmlformats.org/drawingml/2006/main" xmlns:r="http://schemas.openxmlformats.org/officeDocument/2006/relationships" xmlns:p="http://schemas.openxmlformats.org/presentationml/2006/main" showMasterPhAnim="0" showMasterSp="0">
+<p:notes xmlns:a="http://schemas.openxmlformats.org/drawingml/2006/main" xmlns:r="http://schemas.openxmlformats.org/officeDocument/2006/relationships" xmlns:p="http://schemas.openxmlformats.org/presentationml/2006/main" showMasterSp="0" showMasterPhAnim="0">
   <p:cSld>
     <p:spTree>
       <p:nvGrpSpPr>
@@ -4479,6 +4534,7 @@
               </a:spcAft>
               <a:buNone/>
             </a:pPr>
+            <a:endParaRPr/>
           </a:p>
         </p:txBody>
       </p:sp>
@@ -4532,7 +4588,7 @@
 </file>
 
 <file path=ppt/notesSlides/notesSlide44.xml><?xml version="1.0" encoding="utf-8"?>
-<p:notes xmlns:a="http://schemas.openxmlformats.org/drawingml/2006/main" xmlns:r="http://schemas.openxmlformats.org/officeDocument/2006/relationships" xmlns:p="http://schemas.openxmlformats.org/presentationml/2006/main" showMasterPhAnim="0" showMasterSp="0">
+<p:notes xmlns:a="http://schemas.openxmlformats.org/drawingml/2006/main" xmlns:r="http://schemas.openxmlformats.org/officeDocument/2006/relationships" xmlns:p="http://schemas.openxmlformats.org/presentationml/2006/main" showMasterSp="0" showMasterPhAnim="0">
   <p:cSld>
     <p:spTree>
       <p:nvGrpSpPr>
@@ -4582,6 +4638,7 @@
               </a:spcAft>
               <a:buNone/>
             </a:pPr>
+            <a:endParaRPr/>
           </a:p>
         </p:txBody>
       </p:sp>
@@ -4635,7 +4692,7 @@
 </file>
 
 <file path=ppt/notesSlides/notesSlide45.xml><?xml version="1.0" encoding="utf-8"?>
-<p:notes xmlns:a="http://schemas.openxmlformats.org/drawingml/2006/main" xmlns:r="http://schemas.openxmlformats.org/officeDocument/2006/relationships" xmlns:p="http://schemas.openxmlformats.org/presentationml/2006/main" showMasterPhAnim="0" showMasterSp="0">
+<p:notes xmlns:a="http://schemas.openxmlformats.org/drawingml/2006/main" xmlns:r="http://schemas.openxmlformats.org/officeDocument/2006/relationships" xmlns:p="http://schemas.openxmlformats.org/presentationml/2006/main" showMasterSp="0" showMasterPhAnim="0">
   <p:cSld>
     <p:spTree>
       <p:nvGrpSpPr>
@@ -4685,6 +4742,7 @@
               </a:spcAft>
               <a:buNone/>
             </a:pPr>
+            <a:endParaRPr/>
           </a:p>
         </p:txBody>
       </p:sp>
@@ -4738,7 +4796,7 @@
 </file>
 
 <file path=ppt/notesSlides/notesSlide46.xml><?xml version="1.0" encoding="utf-8"?>
-<p:notes xmlns:a="http://schemas.openxmlformats.org/drawingml/2006/main" xmlns:r="http://schemas.openxmlformats.org/officeDocument/2006/relationships" xmlns:p="http://schemas.openxmlformats.org/presentationml/2006/main" showMasterPhAnim="0" showMasterSp="0">
+<p:notes xmlns:a="http://schemas.openxmlformats.org/drawingml/2006/main" xmlns:r="http://schemas.openxmlformats.org/officeDocument/2006/relationships" xmlns:p="http://schemas.openxmlformats.org/presentationml/2006/main" showMasterSp="0" showMasterPhAnim="0">
   <p:cSld>
     <p:spTree>
       <p:nvGrpSpPr>
@@ -4788,6 +4846,7 @@
               </a:spcAft>
               <a:buNone/>
             </a:pPr>
+            <a:endParaRPr/>
           </a:p>
         </p:txBody>
       </p:sp>
@@ -4841,7 +4900,7 @@
 </file>
 
 <file path=ppt/notesSlides/notesSlide47.xml><?xml version="1.0" encoding="utf-8"?>
-<p:notes xmlns:a="http://schemas.openxmlformats.org/drawingml/2006/main" xmlns:r="http://schemas.openxmlformats.org/officeDocument/2006/relationships" xmlns:p="http://schemas.openxmlformats.org/presentationml/2006/main" showMasterPhAnim="0" showMasterSp="0">
+<p:notes xmlns:a="http://schemas.openxmlformats.org/drawingml/2006/main" xmlns:r="http://schemas.openxmlformats.org/officeDocument/2006/relationships" xmlns:p="http://schemas.openxmlformats.org/presentationml/2006/main" showMasterSp="0" showMasterPhAnim="0">
   <p:cSld>
     <p:spTree>
       <p:nvGrpSpPr>
@@ -4891,6 +4950,7 @@
               </a:spcAft>
               <a:buNone/>
             </a:pPr>
+            <a:endParaRPr/>
           </a:p>
         </p:txBody>
       </p:sp>
@@ -4944,7 +5004,7 @@
 </file>
 
 <file path=ppt/notesSlides/notesSlide48.xml><?xml version="1.0" encoding="utf-8"?>
-<p:notes xmlns:a="http://schemas.openxmlformats.org/drawingml/2006/main" xmlns:r="http://schemas.openxmlformats.org/officeDocument/2006/relationships" xmlns:p="http://schemas.openxmlformats.org/presentationml/2006/main" showMasterPhAnim="0" showMasterSp="0">
+<p:notes xmlns:a="http://schemas.openxmlformats.org/drawingml/2006/main" xmlns:r="http://schemas.openxmlformats.org/officeDocument/2006/relationships" xmlns:p="http://schemas.openxmlformats.org/presentationml/2006/main" showMasterSp="0" showMasterPhAnim="0">
   <p:cSld>
     <p:spTree>
       <p:nvGrpSpPr>
@@ -4994,6 +5054,7 @@
               </a:spcAft>
               <a:buNone/>
             </a:pPr>
+            <a:endParaRPr/>
           </a:p>
         </p:txBody>
       </p:sp>
@@ -5047,7 +5108,7 @@
 </file>
 
 <file path=ppt/notesSlides/notesSlide49.xml><?xml version="1.0" encoding="utf-8"?>
-<p:notes xmlns:a="http://schemas.openxmlformats.org/drawingml/2006/main" xmlns:r="http://schemas.openxmlformats.org/officeDocument/2006/relationships" xmlns:p="http://schemas.openxmlformats.org/presentationml/2006/main" showMasterPhAnim="0" showMasterSp="0">
+<p:notes xmlns:a="http://schemas.openxmlformats.org/drawingml/2006/main" xmlns:r="http://schemas.openxmlformats.org/officeDocument/2006/relationships" xmlns:p="http://schemas.openxmlformats.org/presentationml/2006/main" showMasterSp="0" showMasterPhAnim="0">
   <p:cSld>
     <p:spTree>
       <p:nvGrpSpPr>
@@ -5097,6 +5158,7 @@
               </a:spcAft>
               <a:buNone/>
             </a:pPr>
+            <a:endParaRPr/>
           </a:p>
         </p:txBody>
       </p:sp>
@@ -5150,7 +5212,7 @@
 </file>
 
 <file path=ppt/notesSlides/notesSlide5.xml><?xml version="1.0" encoding="utf-8"?>
-<p:notes xmlns:a="http://schemas.openxmlformats.org/drawingml/2006/main" xmlns:r="http://schemas.openxmlformats.org/officeDocument/2006/relationships" xmlns:p="http://schemas.openxmlformats.org/presentationml/2006/main" showMasterPhAnim="0" showMasterSp="0">
+<p:notes xmlns:a="http://schemas.openxmlformats.org/drawingml/2006/main" xmlns:r="http://schemas.openxmlformats.org/officeDocument/2006/relationships" xmlns:p="http://schemas.openxmlformats.org/presentationml/2006/main" showMasterSp="0" showMasterPhAnim="0">
   <p:cSld>
     <p:spTree>
       <p:nvGrpSpPr>
@@ -5200,6 +5262,7 @@
               </a:spcAft>
               <a:buNone/>
             </a:pPr>
+            <a:endParaRPr/>
           </a:p>
         </p:txBody>
       </p:sp>
@@ -5253,7 +5316,7 @@
 </file>
 
 <file path=ppt/notesSlides/notesSlide50.xml><?xml version="1.0" encoding="utf-8"?>
-<p:notes xmlns:a="http://schemas.openxmlformats.org/drawingml/2006/main" xmlns:r="http://schemas.openxmlformats.org/officeDocument/2006/relationships" xmlns:p="http://schemas.openxmlformats.org/presentationml/2006/main" showMasterPhAnim="0" showMasterSp="0">
+<p:notes xmlns:a="http://schemas.openxmlformats.org/drawingml/2006/main" xmlns:r="http://schemas.openxmlformats.org/officeDocument/2006/relationships" xmlns:p="http://schemas.openxmlformats.org/presentationml/2006/main" showMasterSp="0" showMasterPhAnim="0">
   <p:cSld>
     <p:spTree>
       <p:nvGrpSpPr>
@@ -5303,6 +5366,7 @@
               </a:spcAft>
               <a:buNone/>
             </a:pPr>
+            <a:endParaRPr/>
           </a:p>
         </p:txBody>
       </p:sp>
@@ -5356,7 +5420,7 @@
 </file>
 
 <file path=ppt/notesSlides/notesSlide51.xml><?xml version="1.0" encoding="utf-8"?>
-<p:notes xmlns:a="http://schemas.openxmlformats.org/drawingml/2006/main" xmlns:r="http://schemas.openxmlformats.org/officeDocument/2006/relationships" xmlns:p="http://schemas.openxmlformats.org/presentationml/2006/main" showMasterPhAnim="0" showMasterSp="0">
+<p:notes xmlns:a="http://schemas.openxmlformats.org/drawingml/2006/main" xmlns:r="http://schemas.openxmlformats.org/officeDocument/2006/relationships" xmlns:p="http://schemas.openxmlformats.org/presentationml/2006/main" showMasterSp="0" showMasterPhAnim="0">
   <p:cSld>
     <p:spTree>
       <p:nvGrpSpPr>
@@ -5406,6 +5470,7 @@
               </a:spcAft>
               <a:buNone/>
             </a:pPr>
+            <a:endParaRPr/>
           </a:p>
         </p:txBody>
       </p:sp>
@@ -5459,7 +5524,7 @@
 </file>
 
 <file path=ppt/notesSlides/notesSlide6.xml><?xml version="1.0" encoding="utf-8"?>
-<p:notes xmlns:a="http://schemas.openxmlformats.org/drawingml/2006/main" xmlns:r="http://schemas.openxmlformats.org/officeDocument/2006/relationships" xmlns:p="http://schemas.openxmlformats.org/presentationml/2006/main" showMasterPhAnim="0" showMasterSp="0">
+<p:notes xmlns:a="http://schemas.openxmlformats.org/drawingml/2006/main" xmlns:r="http://schemas.openxmlformats.org/officeDocument/2006/relationships" xmlns:p="http://schemas.openxmlformats.org/presentationml/2006/main" showMasterSp="0" showMasterPhAnim="0">
   <p:cSld>
     <p:spTree>
       <p:nvGrpSpPr>
@@ -5509,6 +5574,7 @@
               </a:spcAft>
               <a:buNone/>
             </a:pPr>
+            <a:endParaRPr/>
           </a:p>
         </p:txBody>
       </p:sp>
@@ -5562,7 +5628,7 @@
 </file>
 
 <file path=ppt/notesSlides/notesSlide7.xml><?xml version="1.0" encoding="utf-8"?>
-<p:notes xmlns:a="http://schemas.openxmlformats.org/drawingml/2006/main" xmlns:r="http://schemas.openxmlformats.org/officeDocument/2006/relationships" xmlns:p="http://schemas.openxmlformats.org/presentationml/2006/main" showMasterPhAnim="0" showMasterSp="0">
+<p:notes xmlns:a="http://schemas.openxmlformats.org/drawingml/2006/main" xmlns:r="http://schemas.openxmlformats.org/officeDocument/2006/relationships" xmlns:p="http://schemas.openxmlformats.org/presentationml/2006/main" showMasterSp="0" showMasterPhAnim="0">
   <p:cSld>
     <p:spTree>
       <p:nvGrpSpPr>
@@ -5612,6 +5678,7 @@
               </a:spcAft>
               <a:buNone/>
             </a:pPr>
+            <a:endParaRPr/>
           </a:p>
         </p:txBody>
       </p:sp>
@@ -5665,7 +5732,7 @@
 </file>
 
 <file path=ppt/notesSlides/notesSlide8.xml><?xml version="1.0" encoding="utf-8"?>
-<p:notes xmlns:a="http://schemas.openxmlformats.org/drawingml/2006/main" xmlns:r="http://schemas.openxmlformats.org/officeDocument/2006/relationships" xmlns:p="http://schemas.openxmlformats.org/presentationml/2006/main" showMasterPhAnim="0" showMasterSp="0">
+<p:notes xmlns:a="http://schemas.openxmlformats.org/drawingml/2006/main" xmlns:r="http://schemas.openxmlformats.org/officeDocument/2006/relationships" xmlns:p="http://schemas.openxmlformats.org/presentationml/2006/main" showMasterSp="0" showMasterPhAnim="0">
   <p:cSld>
     <p:spTree>
       <p:nvGrpSpPr>
@@ -5715,6 +5782,7 @@
               </a:spcAft>
               <a:buNone/>
             </a:pPr>
+            <a:endParaRPr/>
           </a:p>
         </p:txBody>
       </p:sp>
@@ -5768,7 +5836,7 @@
 </file>
 
 <file path=ppt/notesSlides/notesSlide9.xml><?xml version="1.0" encoding="utf-8"?>
-<p:notes xmlns:a="http://schemas.openxmlformats.org/drawingml/2006/main" xmlns:r="http://schemas.openxmlformats.org/officeDocument/2006/relationships" xmlns:p="http://schemas.openxmlformats.org/presentationml/2006/main" showMasterPhAnim="0" showMasterSp="0">
+<p:notes xmlns:a="http://schemas.openxmlformats.org/drawingml/2006/main" xmlns:r="http://schemas.openxmlformats.org/officeDocument/2006/relationships" xmlns:p="http://schemas.openxmlformats.org/presentationml/2006/main" showMasterSp="0" showMasterPhAnim="0">
   <p:cSld>
     <p:spTree>
       <p:nvGrpSpPr>
@@ -5818,6 +5886,7 @@
               </a:spcAft>
               <a:buNone/>
             </a:pPr>
+            <a:endParaRPr/>
           </a:p>
         </p:txBody>
       </p:sp>
@@ -5871,7 +5940,7 @@
 </file>
 
 <file path=ppt/slideLayouts/slideLayout1.xml><?xml version="1.0" encoding="utf-8"?>
-<p:sldLayout xmlns:a="http://schemas.openxmlformats.org/drawingml/2006/main" xmlns:r="http://schemas.openxmlformats.org/officeDocument/2006/relationships" xmlns:p="http://schemas.openxmlformats.org/presentationml/2006/main" type="title" preserve="1" showMasterSp="0">
+<p:sldLayout xmlns:a="http://schemas.openxmlformats.org/drawingml/2006/main" xmlns:r="http://schemas.openxmlformats.org/officeDocument/2006/relationships" xmlns:p="http://schemas.openxmlformats.org/presentationml/2006/main" showMasterSp="0" type="title" preserve="1">
   <p:cSld name="Başlık Slaydı">
     <p:spTree>
       <p:nvGrpSpPr>
@@ -6329,6 +6398,7 @@
             </a:pPr>
             <a:fld id="{00000000-1234-1234-1234-123412341234}" type="slidenum">
               <a:rPr lang="en-US" smtClean="0"/>
+              <a:t>‹#›</a:t>
             </a:fld>
             <a:endParaRPr lang="en-US"/>
           </a:p>
@@ -6402,7 +6472,6 @@
               <a:rPr lang="tr-TR"/>
               <a:t>Asıl metin stillerini düzenlemek için tıklayın</a:t>
             </a:r>
-            <a:endParaRPr lang="tr-TR"/>
           </a:p>
           <a:p>
             <a:pPr lvl="1"/>
@@ -6410,7 +6479,6 @@
               <a:rPr lang="tr-TR"/>
               <a:t>İkinci düzey</a:t>
             </a:r>
-            <a:endParaRPr lang="tr-TR"/>
           </a:p>
           <a:p>
             <a:pPr lvl="2"/>
@@ -6418,7 +6486,6 @@
               <a:rPr lang="tr-TR"/>
               <a:t>Üçüncü düzey</a:t>
             </a:r>
-            <a:endParaRPr lang="tr-TR"/>
           </a:p>
           <a:p>
             <a:pPr lvl="3"/>
@@ -6426,7 +6493,6 @@
               <a:rPr lang="tr-TR"/>
               <a:t>Dördüncü düzey</a:t>
             </a:r>
-            <a:endParaRPr lang="tr-TR"/>
           </a:p>
           <a:p>
             <a:pPr lvl="4"/>
@@ -6502,6 +6568,7 @@
             </a:pPr>
             <a:fld id="{00000000-1234-1234-1234-123412341234}" type="slidenum">
               <a:rPr lang="en-US" smtClean="0"/>
+              <a:t>‹#›</a:t>
             </a:fld>
             <a:endParaRPr lang="en-US"/>
           </a:p>
@@ -6585,7 +6652,6 @@
               <a:rPr lang="tr-TR"/>
               <a:t>Asıl metin stillerini düzenlemek için tıklayın</a:t>
             </a:r>
-            <a:endParaRPr lang="tr-TR"/>
           </a:p>
           <a:p>
             <a:pPr lvl="1"/>
@@ -6593,7 +6659,6 @@
               <a:rPr lang="tr-TR"/>
               <a:t>İkinci düzey</a:t>
             </a:r>
-            <a:endParaRPr lang="tr-TR"/>
           </a:p>
           <a:p>
             <a:pPr lvl="2"/>
@@ -6601,7 +6666,6 @@
               <a:rPr lang="tr-TR"/>
               <a:t>Üçüncü düzey</a:t>
             </a:r>
-            <a:endParaRPr lang="tr-TR"/>
           </a:p>
           <a:p>
             <a:pPr lvl="3"/>
@@ -6609,7 +6673,6 @@
               <a:rPr lang="tr-TR"/>
               <a:t>Dördüncü düzey</a:t>
             </a:r>
-            <a:endParaRPr lang="tr-TR"/>
           </a:p>
           <a:p>
             <a:pPr lvl="4"/>
@@ -6685,6 +6748,7 @@
             </a:pPr>
             <a:fld id="{00000000-1234-1234-1234-123412341234}" type="slidenum">
               <a:rPr lang="en-US" smtClean="0"/>
+              <a:t>‹#›</a:t>
             </a:fld>
             <a:endParaRPr lang="en-US"/>
           </a:p>
@@ -6758,7 +6822,6 @@
               <a:rPr lang="tr-TR"/>
               <a:t>Asıl metin stillerini düzenlemek için tıklayın</a:t>
             </a:r>
-            <a:endParaRPr lang="tr-TR"/>
           </a:p>
           <a:p>
             <a:pPr lvl="1"/>
@@ -6766,7 +6829,6 @@
               <a:rPr lang="tr-TR"/>
               <a:t>İkinci düzey</a:t>
             </a:r>
-            <a:endParaRPr lang="tr-TR"/>
           </a:p>
           <a:p>
             <a:pPr lvl="2"/>
@@ -6774,7 +6836,6 @@
               <a:rPr lang="tr-TR"/>
               <a:t>Üçüncü düzey</a:t>
             </a:r>
-            <a:endParaRPr lang="tr-TR"/>
           </a:p>
           <a:p>
             <a:pPr lvl="3"/>
@@ -6782,7 +6843,6 @@
               <a:rPr lang="tr-TR"/>
               <a:t>Dördüncü düzey</a:t>
             </a:r>
-            <a:endParaRPr lang="tr-TR"/>
           </a:p>
           <a:p>
             <a:pPr lvl="4"/>
@@ -6858,6 +6918,7 @@
             </a:pPr>
             <a:fld id="{00000000-1234-1234-1234-123412341234}" type="slidenum">
               <a:rPr lang="en-US" smtClean="0"/>
+              <a:t>‹#›</a:t>
             </a:fld>
             <a:endParaRPr lang="en-US"/>
           </a:p>
@@ -6872,7 +6933,7 @@
 </file>
 
 <file path=ppt/slideLayouts/slideLayout3.xml><?xml version="1.0" encoding="utf-8"?>
-<p:sldLayout xmlns:a="http://schemas.openxmlformats.org/drawingml/2006/main" xmlns:r="http://schemas.openxmlformats.org/officeDocument/2006/relationships" xmlns:p="http://schemas.openxmlformats.org/presentationml/2006/main" type="secHead" preserve="1" showMasterSp="0">
+<p:sldLayout xmlns:a="http://schemas.openxmlformats.org/drawingml/2006/main" xmlns:r="http://schemas.openxmlformats.org/officeDocument/2006/relationships" xmlns:p="http://schemas.openxmlformats.org/presentationml/2006/main" showMasterSp="0" type="secHead" preserve="1">
   <p:cSld name="Bölüm Üst Bilgisi">
     <p:spTree>
       <p:nvGrpSpPr>
@@ -7098,7 +7159,6 @@
               <a:rPr lang="tr-TR"/>
               <a:t>Asıl metin stillerini düzenlemek için tıklayın</a:t>
             </a:r>
-            <a:endParaRPr lang="tr-TR"/>
           </a:p>
         </p:txBody>
       </p:sp>
@@ -7269,6 +7329,7 @@
             </a:pPr>
             <a:fld id="{00000000-1234-1234-1234-123412341234}" type="slidenum">
               <a:rPr lang="en-US" smtClean="0"/>
+              <a:t>‹#›</a:t>
             </a:fld>
             <a:endParaRPr lang="en-US"/>
           </a:p>
@@ -7375,7 +7436,6 @@
               <a:rPr lang="tr-TR"/>
               <a:t>Asıl metin stillerini düzenlemek için tıklayın</a:t>
             </a:r>
-            <a:endParaRPr lang="tr-TR"/>
           </a:p>
           <a:p>
             <a:pPr lvl="1"/>
@@ -7383,7 +7443,6 @@
               <a:rPr lang="tr-TR"/>
               <a:t>İkinci düzey</a:t>
             </a:r>
-            <a:endParaRPr lang="tr-TR"/>
           </a:p>
           <a:p>
             <a:pPr lvl="2"/>
@@ -7391,7 +7450,6 @@
               <a:rPr lang="tr-TR"/>
               <a:t>Üçüncü düzey</a:t>
             </a:r>
-            <a:endParaRPr lang="tr-TR"/>
           </a:p>
           <a:p>
             <a:pPr lvl="3"/>
@@ -7399,7 +7457,6 @@
               <a:rPr lang="tr-TR"/>
               <a:t>Dördüncü düzey</a:t>
             </a:r>
-            <a:endParaRPr lang="tr-TR"/>
           </a:p>
           <a:p>
             <a:pPr lvl="4"/>
@@ -7464,7 +7521,6 @@
               <a:rPr lang="tr-TR"/>
               <a:t>Asıl metin stillerini düzenlemek için tıklayın</a:t>
             </a:r>
-            <a:endParaRPr lang="tr-TR"/>
           </a:p>
           <a:p>
             <a:pPr lvl="1"/>
@@ -7472,7 +7528,6 @@
               <a:rPr lang="tr-TR"/>
               <a:t>İkinci düzey</a:t>
             </a:r>
-            <a:endParaRPr lang="tr-TR"/>
           </a:p>
           <a:p>
             <a:pPr lvl="2"/>
@@ -7480,7 +7535,6 @@
               <a:rPr lang="tr-TR"/>
               <a:t>Üçüncü düzey</a:t>
             </a:r>
-            <a:endParaRPr lang="tr-TR"/>
           </a:p>
           <a:p>
             <a:pPr lvl="3"/>
@@ -7488,7 +7542,6 @@
               <a:rPr lang="tr-TR"/>
               <a:t>Dördüncü düzey</a:t>
             </a:r>
-            <a:endParaRPr lang="tr-TR"/>
           </a:p>
           <a:p>
             <a:pPr lvl="4"/>
@@ -7564,6 +7617,7 @@
             </a:pPr>
             <a:fld id="{00000000-1234-1234-1234-123412341234}" type="slidenum">
               <a:rPr lang="en-US" smtClean="0"/>
+              <a:t>‹#›</a:t>
             </a:fld>
             <a:endParaRPr lang="en-US"/>
           </a:p>
@@ -7687,7 +7741,6 @@
               <a:rPr lang="tr-TR"/>
               <a:t>Asıl metin stillerini düzenlemek için tıklayın</a:t>
             </a:r>
-            <a:endParaRPr lang="tr-TR"/>
           </a:p>
         </p:txBody>
       </p:sp>
@@ -7744,7 +7797,6 @@
               <a:rPr lang="tr-TR"/>
               <a:t>Asıl metin stillerini düzenlemek için tıklayın</a:t>
             </a:r>
-            <a:endParaRPr lang="tr-TR"/>
           </a:p>
           <a:p>
             <a:pPr lvl="1"/>
@@ -7752,7 +7804,6 @@
               <a:rPr lang="tr-TR"/>
               <a:t>İkinci düzey</a:t>
             </a:r>
-            <a:endParaRPr lang="tr-TR"/>
           </a:p>
           <a:p>
             <a:pPr lvl="2"/>
@@ -7760,7 +7811,6 @@
               <a:rPr lang="tr-TR"/>
               <a:t>Üçüncü düzey</a:t>
             </a:r>
-            <a:endParaRPr lang="tr-TR"/>
           </a:p>
           <a:p>
             <a:pPr lvl="3"/>
@@ -7768,7 +7818,6 @@
               <a:rPr lang="tr-TR"/>
               <a:t>Dördüncü düzey</a:t>
             </a:r>
-            <a:endParaRPr lang="tr-TR"/>
           </a:p>
           <a:p>
             <a:pPr lvl="4"/>
@@ -7850,7 +7899,6 @@
               <a:rPr lang="tr-TR"/>
               <a:t>Asıl metin stillerini düzenlemek için tıklayın</a:t>
             </a:r>
-            <a:endParaRPr lang="tr-TR"/>
           </a:p>
         </p:txBody>
       </p:sp>
@@ -7907,7 +7955,6 @@
               <a:rPr lang="tr-TR"/>
               <a:t>Asıl metin stillerini düzenlemek için tıklayın</a:t>
             </a:r>
-            <a:endParaRPr lang="tr-TR"/>
           </a:p>
           <a:p>
             <a:pPr lvl="1"/>
@@ -7915,7 +7962,6 @@
               <a:rPr lang="tr-TR"/>
               <a:t>İkinci düzey</a:t>
             </a:r>
-            <a:endParaRPr lang="tr-TR"/>
           </a:p>
           <a:p>
             <a:pPr lvl="2"/>
@@ -7923,7 +7969,6 @@
               <a:rPr lang="tr-TR"/>
               <a:t>Üçüncü düzey</a:t>
             </a:r>
-            <a:endParaRPr lang="tr-TR"/>
           </a:p>
           <a:p>
             <a:pPr lvl="3"/>
@@ -7931,7 +7976,6 @@
               <a:rPr lang="tr-TR"/>
               <a:t>Dördüncü düzey</a:t>
             </a:r>
-            <a:endParaRPr lang="tr-TR"/>
           </a:p>
           <a:p>
             <a:pPr lvl="4"/>
@@ -8007,6 +8051,7 @@
             </a:pPr>
             <a:fld id="{00000000-1234-1234-1234-123412341234}" type="slidenum">
               <a:rPr lang="en-US" smtClean="0"/>
+              <a:t>‹#›</a:t>
             </a:fld>
             <a:endParaRPr lang="en-US"/>
           </a:p>
@@ -8124,6 +8169,7 @@
             </a:pPr>
             <a:fld id="{00000000-1234-1234-1234-123412341234}" type="slidenum">
               <a:rPr lang="en-US" smtClean="0"/>
+              <a:t>‹#›</a:t>
             </a:fld>
             <a:endParaRPr lang="en-US"/>
           </a:p>
@@ -8218,6 +8264,7 @@
             </a:pPr>
             <a:fld id="{00000000-1234-1234-1234-123412341234}" type="slidenum">
               <a:rPr lang="en-US" smtClean="0"/>
+              <a:t>‹#›</a:t>
             </a:fld>
             <a:endParaRPr lang="en-US"/>
           </a:p>
@@ -8232,7 +8279,7 @@
 </file>
 
 <file path=ppt/slideLayouts/slideLayout8.xml><?xml version="1.0" encoding="utf-8"?>
-<p:sldLayout xmlns:a="http://schemas.openxmlformats.org/drawingml/2006/main" xmlns:r="http://schemas.openxmlformats.org/officeDocument/2006/relationships" xmlns:p="http://schemas.openxmlformats.org/presentationml/2006/main" type="objTx" preserve="1" showMasterSp="0">
+<p:sldLayout xmlns:a="http://schemas.openxmlformats.org/drawingml/2006/main" xmlns:r="http://schemas.openxmlformats.org/officeDocument/2006/relationships" xmlns:p="http://schemas.openxmlformats.org/presentationml/2006/main" showMasterSp="0" type="objTx" preserve="1">
   <p:cSld name="Başlıklı İçerik">
     <p:spTree>
       <p:nvGrpSpPr>
@@ -8392,7 +8439,6 @@
               <a:rPr lang="tr-TR"/>
               <a:t>Asıl metin stillerini düzenlemek için tıklayın</a:t>
             </a:r>
-            <a:endParaRPr lang="tr-TR"/>
           </a:p>
           <a:p>
             <a:pPr lvl="1"/>
@@ -8400,7 +8446,6 @@
               <a:rPr lang="tr-TR"/>
               <a:t>İkinci düzey</a:t>
             </a:r>
-            <a:endParaRPr lang="tr-TR"/>
           </a:p>
           <a:p>
             <a:pPr lvl="2"/>
@@ -8408,7 +8453,6 @@
               <a:rPr lang="tr-TR"/>
               <a:t>Üçüncü düzey</a:t>
             </a:r>
-            <a:endParaRPr lang="tr-TR"/>
           </a:p>
           <a:p>
             <a:pPr lvl="3"/>
@@ -8416,7 +8460,6 @@
               <a:rPr lang="tr-TR"/>
               <a:t>Dördüncü düzey</a:t>
             </a:r>
-            <a:endParaRPr lang="tr-TR"/>
           </a:p>
           <a:p>
             <a:pPr lvl="4"/>
@@ -8504,7 +8547,6 @@
               <a:rPr lang="tr-TR"/>
               <a:t>Asıl metin stillerini düzenlemek için tıklayın</a:t>
             </a:r>
-            <a:endParaRPr lang="tr-TR"/>
           </a:p>
         </p:txBody>
       </p:sp>
@@ -8661,6 +8703,7 @@
             </a:pPr>
             <a:fld id="{00000000-1234-1234-1234-123412341234}" type="slidenum">
               <a:rPr lang="en-US" smtClean="0"/>
+              <a:t>‹#›</a:t>
             </a:fld>
             <a:endParaRPr lang="en-US"/>
           </a:p>
@@ -8675,7 +8718,7 @@
 </file>
 
 <file path=ppt/slideLayouts/slideLayout9.xml><?xml version="1.0" encoding="utf-8"?>
-<p:sldLayout xmlns:a="http://schemas.openxmlformats.org/drawingml/2006/main" xmlns:r="http://schemas.openxmlformats.org/officeDocument/2006/relationships" xmlns:p="http://schemas.openxmlformats.org/presentationml/2006/main" type="picTx" preserve="1" showMasterSp="0">
+<p:sldLayout xmlns:a="http://schemas.openxmlformats.org/drawingml/2006/main" xmlns:r="http://schemas.openxmlformats.org/officeDocument/2006/relationships" xmlns:p="http://schemas.openxmlformats.org/presentationml/2006/main" showMasterSp="0" type="picTx" preserve="1">
   <p:cSld name="Başlıklı Resim">
     <p:spTree>
       <p:nvGrpSpPr>
@@ -8929,7 +8972,6 @@
               <a:rPr lang="tr-TR"/>
               <a:t>Asıl metin stillerini düzenlemek için tıklayın</a:t>
             </a:r>
-            <a:endParaRPr lang="tr-TR"/>
           </a:p>
         </p:txBody>
       </p:sp>
@@ -9067,6 +9109,7 @@
             </a:pPr>
             <a:fld id="{00000000-1234-1234-1234-123412341234}" type="slidenum">
               <a:rPr lang="en-US" smtClean="0"/>
+              <a:t>‹#›</a:t>
             </a:fld>
             <a:endParaRPr lang="en-US"/>
           </a:p>
@@ -9166,7 +9209,6 @@
               <a:rPr lang="tr-TR"/>
               <a:t>Asıl metin stillerini düzenlemek için tıklayın</a:t>
             </a:r>
-            <a:endParaRPr lang="tr-TR"/>
           </a:p>
           <a:p>
             <a:pPr lvl="1"/>
@@ -9174,7 +9216,6 @@
               <a:rPr lang="tr-TR"/>
               <a:t>İkinci düzey</a:t>
             </a:r>
-            <a:endParaRPr lang="tr-TR"/>
           </a:p>
           <a:p>
             <a:pPr lvl="2"/>
@@ -9182,7 +9223,6 @@
               <a:rPr lang="tr-TR"/>
               <a:t>Üçüncü düzey</a:t>
             </a:r>
-            <a:endParaRPr lang="tr-TR"/>
           </a:p>
           <a:p>
             <a:pPr lvl="3"/>
@@ -9190,7 +9230,6 @@
               <a:rPr lang="tr-TR"/>
               <a:t>Dördüncü düzey</a:t>
             </a:r>
-            <a:endParaRPr lang="tr-TR"/>
           </a:p>
           <a:p>
             <a:pPr lvl="4"/>
@@ -9303,7 +9342,7 @@
               <a:avLst/>
             </a:prstGeom>
             <a:blipFill dpi="0" rotWithShape="1">
-              <a:blip r:embed="rId12">
+              <a:blip r:embed="rId13">
                 <a:duotone>
                   <a:schemeClr val="accent1">
                     <a:shade val="45000"/>
@@ -9314,7 +9353,7 @@
                 <a:extLst>
                   <a:ext uri="{BEBA8EAE-BF5A-486C-A8C5-ECC9F3942E4B}">
                     <a14:imgProps xmlns:a14="http://schemas.microsoft.com/office/drawing/2010/main">
-                      <a14:imgLayer r:embed="rId13">
+                      <a14:imgLayer r:embed="rId14">
                         <a14:imgEffect>
                           <a14:brightnessContrast bright="-40000" contrast="20000"/>
                         </a14:imgEffect>
@@ -9404,6 +9443,7 @@
             </a:pPr>
             <a:fld id="{00000000-1234-1234-1234-123412341234}" type="slidenum">
               <a:rPr lang="en-US" smtClean="0"/>
+              <a:t>‹#›</a:t>
             </a:fld>
             <a:endParaRPr lang="en-US"/>
           </a:p>
@@ -9438,7 +9478,7 @@
         <a:buNone/>
         <a:defRPr sz="5400" kern="1200" cap="all" baseline="0">
           <a:blipFill>
-            <a:blip r:embed="rId14">
+            <a:blip r:embed="rId15">
               <a:extLst>
                 <a:ext uri="{28A0092B-C50C-407E-A947-70E740481C1C}">
                   <a14:useLocalDpi xmlns:a14="http://schemas.microsoft.com/office/drawing/2010/main" val="0"/>
@@ -9857,7 +9897,6 @@
               <a:rPr lang="en-US"/>
               <a:t>MultiThreading</a:t>
             </a:r>
-            <a:endParaRPr lang="en-US"/>
           </a:p>
         </p:txBody>
       </p:sp>
@@ -9903,7 +9942,6 @@
               <a:rPr lang="en-US"/>
               <a:t>Çoklu İş Parçacığı</a:t>
             </a:r>
-            <a:endParaRPr lang="en-US"/>
           </a:p>
         </p:txBody>
       </p:sp>
@@ -9978,7 +10016,6 @@
               <a:rPr lang="en-US"/>
               <a:t>MultiThreading’e Neden İhtiyaç Duyuyoruz?</a:t>
             </a:r>
-            <a:endParaRPr lang="en-US"/>
           </a:p>
         </p:txBody>
       </p:sp>
@@ -10032,7 +10069,6 @@
               <a:rPr lang="en-US"/>
               <a:t>(main metodu) bu işlem bitene kadar başka herhangi bir işlem gerçekleştiremeyecek. Ancak eğer siz dosya indirme işlemini bir tane thread oluşturup yaparsanız, main thread diğer işlerine zaman ayırabilir. Yani bizim uygulamamız bir çok işlemi parallel yapacak seviyeye gelmiş olur.</a:t>
             </a:r>
-            <a:endParaRPr lang="en-US"/>
           </a:p>
           <a:p>
             <a:pPr marL="228600" lvl="0" indent="-228600" algn="l" rtl="0">
@@ -10060,7 +10096,6 @@
               <a:rPr lang="en-US"/>
               <a:t>diyoruz.</a:t>
             </a:r>
-            <a:endParaRPr lang="en-US"/>
           </a:p>
         </p:txBody>
       </p:sp>
@@ -10385,15 +10420,6 @@
               </a:rPr>
               <a:t>Main Thread</a:t>
             </a:r>
-            <a:endParaRPr lang="en-US" sz="1800">
-              <a:solidFill>
-                <a:schemeClr val="accent1"/>
-              </a:solidFill>
-              <a:latin typeface="Calibri" panose="020F0502020204030204"/>
-              <a:ea typeface="Calibri" panose="020F0502020204030204"/>
-              <a:cs typeface="Calibri" panose="020F0502020204030204"/>
-              <a:sym typeface="Calibri" panose="020F0502020204030204"/>
-            </a:endParaRPr>
           </a:p>
         </p:txBody>
       </p:sp>
@@ -10813,15 +10839,6 @@
               </a:rPr>
               <a:t>Main Thread</a:t>
             </a:r>
-            <a:endParaRPr lang="en-US" sz="1800">
-              <a:solidFill>
-                <a:schemeClr val="accent1"/>
-              </a:solidFill>
-              <a:latin typeface="Calibri" panose="020F0502020204030204"/>
-              <a:ea typeface="Calibri" panose="020F0502020204030204"/>
-              <a:cs typeface="Calibri" panose="020F0502020204030204"/>
-              <a:sym typeface="Calibri" panose="020F0502020204030204"/>
-            </a:endParaRPr>
           </a:p>
         </p:txBody>
       </p:sp>
@@ -10923,15 +10940,6 @@
               </a:rPr>
               <a:t>App 1</a:t>
             </a:r>
-            <a:endParaRPr lang="en-US" sz="1800">
-              <a:solidFill>
-                <a:schemeClr val="accent1"/>
-              </a:solidFill>
-              <a:latin typeface="Calibri" panose="020F0502020204030204"/>
-              <a:ea typeface="Calibri" panose="020F0502020204030204"/>
-              <a:cs typeface="Calibri" panose="020F0502020204030204"/>
-              <a:sym typeface="Calibri" panose="020F0502020204030204"/>
-            </a:endParaRPr>
           </a:p>
         </p:txBody>
       </p:sp>
@@ -11137,15 +11145,6 @@
               </a:rPr>
               <a:t>Thread 1</a:t>
             </a:r>
-            <a:endParaRPr lang="en-US" sz="1800">
-              <a:solidFill>
-                <a:schemeClr val="accent1"/>
-              </a:solidFill>
-              <a:latin typeface="Calibri" panose="020F0502020204030204"/>
-              <a:ea typeface="Calibri" panose="020F0502020204030204"/>
-              <a:cs typeface="Calibri" panose="020F0502020204030204"/>
-              <a:sym typeface="Calibri" panose="020F0502020204030204"/>
-            </a:endParaRPr>
           </a:p>
         </p:txBody>
       </p:sp>
@@ -11195,15 +11194,6 @@
               </a:rPr>
               <a:t>Thread 2</a:t>
             </a:r>
-            <a:endParaRPr lang="en-US" sz="1800">
-              <a:solidFill>
-                <a:schemeClr val="accent1"/>
-              </a:solidFill>
-              <a:latin typeface="Calibri" panose="020F0502020204030204"/>
-              <a:ea typeface="Calibri" panose="020F0502020204030204"/>
-              <a:cs typeface="Calibri" panose="020F0502020204030204"/>
-              <a:sym typeface="Calibri" panose="020F0502020204030204"/>
-            </a:endParaRPr>
           </a:p>
         </p:txBody>
       </p:sp>
@@ -11311,15 +11301,6 @@
               </a:rPr>
               <a:t>App 2</a:t>
             </a:r>
-            <a:endParaRPr lang="en-US" sz="1800">
-              <a:solidFill>
-                <a:schemeClr val="accent1"/>
-              </a:solidFill>
-              <a:latin typeface="Calibri" panose="020F0502020204030204"/>
-              <a:ea typeface="Calibri" panose="020F0502020204030204"/>
-              <a:cs typeface="Calibri" panose="020F0502020204030204"/>
-              <a:sym typeface="Calibri" panose="020F0502020204030204"/>
-            </a:endParaRPr>
           </a:p>
         </p:txBody>
       </p:sp>
@@ -11394,7 +11375,6 @@
               <a:rPr lang="en-US"/>
               <a:t>Threadlerin Çalışması</a:t>
             </a:r>
-            <a:endParaRPr lang="en-US"/>
           </a:p>
         </p:txBody>
       </p:sp>
@@ -11440,7 +11420,6 @@
               <a:rPr lang="en-US"/>
               <a:t>Program içerisinde oluşturulan threadlerin ne zaman çalışacağı Java Virtual Machine ve İşletim Sistemi insiyatifindedir. Başlama komutunun verilme sırasına göre değil JVM ve İşletim Sisteminin istediği zaman çalışmaya başlayacaklardır.</a:t>
             </a:r>
-            <a:endParaRPr lang="en-US"/>
           </a:p>
           <a:p>
             <a:pPr marL="0" lvl="0" indent="0" algn="l" rtl="0">
@@ -11456,6 +11435,7 @@
               <a:buSzPts val="2000"/>
               <a:buNone/>
             </a:pPr>
+            <a:endParaRPr lang="en-US"/>
           </a:p>
           <a:p>
             <a:pPr marL="0" lvl="0" indent="0" algn="l" rtl="0">
@@ -11475,7 +11455,6 @@
               <a:rPr lang="en-US"/>
               <a:t>Örnek: </a:t>
             </a:r>
-            <a:endParaRPr lang="en-US"/>
           </a:p>
           <a:p>
             <a:pPr marL="0" lvl="0" indent="0" algn="just" rtl="0">
@@ -11495,7 +11474,6 @@
               <a:rPr lang="en-US"/>
               <a:t>	thread1.start();</a:t>
             </a:r>
-            <a:endParaRPr lang="en-US"/>
           </a:p>
           <a:p>
             <a:pPr marL="0" lvl="0" indent="0" algn="just" rtl="0">
@@ -11515,7 +11493,6 @@
               <a:rPr lang="en-US"/>
               <a:t>	thread2.start();</a:t>
             </a:r>
-            <a:endParaRPr lang="en-US"/>
           </a:p>
           <a:p>
             <a:pPr marL="0" lvl="0" indent="0" algn="just" rtl="0">
@@ -11535,7 +11512,6 @@
               <a:rPr lang="en-US"/>
               <a:t>	thread3.start();</a:t>
             </a:r>
-            <a:endParaRPr lang="en-US"/>
           </a:p>
           <a:p>
             <a:pPr marL="0" lvl="0" indent="0" algn="just" rtl="0">
@@ -11555,7 +11531,6 @@
               <a:rPr lang="en-US"/>
               <a:t>Burada thread1, thread2 ve thread3’ün ne zaman çalışacağına JVM ve İşletim Sistemi karar verir.</a:t>
             </a:r>
-            <a:endParaRPr lang="en-US"/>
           </a:p>
           <a:p>
             <a:pPr marL="0" lvl="0" indent="0" algn="just" rtl="0">
@@ -11575,7 +11550,6 @@
               <a:rPr lang="en-US"/>
               <a:t>Örneğin thread2 thread1’den önce çalışabilir. Thread3 diğer threadlerden önce çalışmaya başlayabilir.</a:t>
             </a:r>
-            <a:endParaRPr lang="en-US"/>
           </a:p>
         </p:txBody>
       </p:sp>
@@ -11650,7 +11624,6 @@
               <a:rPr lang="en-US"/>
               <a:t>Thread Nasıl Oluşturulur?</a:t>
             </a:r>
-            <a:endParaRPr lang="en-US"/>
           </a:p>
         </p:txBody>
       </p:sp>
@@ -11696,7 +11669,6 @@
               <a:rPr lang="en-US"/>
               <a:t>Thread oluşturma yöntemleri. Thread sınıfı ve Runnable Interface</a:t>
             </a:r>
-            <a:endParaRPr lang="en-US"/>
           </a:p>
         </p:txBody>
       </p:sp>
@@ -11771,7 +11743,6 @@
               <a:rPr lang="en-US"/>
               <a:t>Bir Threadin Bitmesini Nasıl Bekleriz ?</a:t>
             </a:r>
-            <a:endParaRPr lang="en-US"/>
           </a:p>
         </p:txBody>
       </p:sp>
@@ -11825,6 +11796,99 @@
               </a:rPr>
               <a:t>Child threadleri yaratan main threadin child threadler işlemini bitirmeden son bulmakta ve bu iyi bir pratik değildir. Normalde main thread yarattığı tüm threadler çalışmasını bitirene kadar beklemeli sonra kendisi bitmeldiri. Java dilinde bunu yapmanın üç tane yolu bulunuyor;</a:t>
             </a:r>
+          </a:p>
+          <a:p>
+            <a:pPr marL="228600" lvl="0" indent="-228600" algn="l" rtl="0">
+              <a:lnSpc>
+                <a:spcPct val="90000"/>
+              </a:lnSpc>
+              <a:spcBef>
+                <a:spcPts val="1000"/>
+              </a:spcBef>
+              <a:spcAft>
+                <a:spcPts val="0"/>
+              </a:spcAft>
+              <a:buSzPts val="2000"/>
+              <a:buChar char="•"/>
+            </a:pPr>
+            <a:r>
+              <a:rPr lang="en-US" b="0" i="0">
+                <a:solidFill>
+                  <a:srgbClr val="292929"/>
+                </a:solidFill>
+                <a:latin typeface="Arial" panose="020B0604020202020204"/>
+                <a:ea typeface="Arial" panose="020B0604020202020204"/>
+                <a:cs typeface="Arial" panose="020B0604020202020204"/>
+                <a:sym typeface="Arial" panose="020B0604020202020204"/>
+              </a:rPr>
+              <a:t>Birincisi main threadin uzunca bir süre, child threadlerin çalışma süresini kapsayacak şekilde, sleep() metodu ile uyutulması. Bu yöntem child threadlerin ne kadar süre çalışacağını kestiremediğimiz için uyuma süresini belirlemek çok zor olduğundan tercih edilebilecek en kötü yöntem olarak karşımıza çıkıyor.</a:t>
+            </a:r>
+          </a:p>
+          <a:p>
+            <a:pPr marL="228600" lvl="0" indent="-228600" algn="l" rtl="0">
+              <a:lnSpc>
+                <a:spcPct val="90000"/>
+              </a:lnSpc>
+              <a:spcBef>
+                <a:spcPts val="1000"/>
+              </a:spcBef>
+              <a:spcAft>
+                <a:spcPts val="0"/>
+              </a:spcAft>
+              <a:buSzPts val="2000"/>
+              <a:buChar char="•"/>
+            </a:pPr>
+            <a:r>
+              <a:rPr lang="en-US" b="0" i="0">
+                <a:solidFill>
+                  <a:srgbClr val="292929"/>
+                </a:solidFill>
+                <a:latin typeface="Arial" panose="020B0604020202020204"/>
+                <a:ea typeface="Arial" panose="020B0604020202020204"/>
+                <a:cs typeface="Arial" panose="020B0604020202020204"/>
+                <a:sym typeface="Arial" panose="020B0604020202020204"/>
+              </a:rPr>
+              <a:t>İkinci yöntem ise her bir threadin </a:t>
+            </a:r>
+            <a:r>
+              <a:rPr lang="en-US" b="1" i="0">
+                <a:solidFill>
+                  <a:srgbClr val="292929"/>
+                </a:solidFill>
+                <a:latin typeface="Arial" panose="020B0604020202020204"/>
+                <a:ea typeface="Arial" panose="020B0604020202020204"/>
+                <a:cs typeface="Arial" panose="020B0604020202020204"/>
+                <a:sym typeface="Arial" panose="020B0604020202020204"/>
+              </a:rPr>
+              <a:t>isAlive</a:t>
+            </a:r>
+            <a:r>
+              <a:rPr lang="en-US" b="0" i="0">
+                <a:solidFill>
+                  <a:srgbClr val="292929"/>
+                </a:solidFill>
+                <a:latin typeface="Arial" panose="020B0604020202020204"/>
+                <a:ea typeface="Arial" panose="020B0604020202020204"/>
+                <a:cs typeface="Arial" panose="020B0604020202020204"/>
+                <a:sym typeface="Arial" panose="020B0604020202020204"/>
+              </a:rPr>
+              <a:t>() metodunu çağırarak threadlerin çalışma durumunu bir döngü ile takip etmek ve bu süre zarfında main threadi sürekli uyutmak. isAlive() metodu söz konusu thread çalıştığı sürece true döner ve thread son bulduğu zaman dönüş değeri false değerini alır. Örneği inceleyelim;</a:t>
+            </a:r>
+          </a:p>
+          <a:p>
+            <a:pPr marL="228600" lvl="0" indent="-101600" algn="l" rtl="0">
+              <a:lnSpc>
+                <a:spcPct val="90000"/>
+              </a:lnSpc>
+              <a:spcBef>
+                <a:spcPts val="1000"/>
+              </a:spcBef>
+              <a:spcAft>
+                <a:spcPts val="0"/>
+              </a:spcAft>
+              <a:buSzPts val="2000"/>
+              <a:buNone/>
+            </a:pPr>
             <a:endParaRPr lang="en-US" b="0" i="0">
               <a:solidFill>
                 <a:srgbClr val="292929"/>
@@ -11834,117 +11898,6 @@
               <a:cs typeface="Arial" panose="020B0604020202020204"/>
               <a:sym typeface="Arial" panose="020B0604020202020204"/>
             </a:endParaRPr>
-          </a:p>
-          <a:p>
-            <a:pPr marL="228600" lvl="0" indent="-228600" algn="l" rtl="0">
-              <a:lnSpc>
-                <a:spcPct val="90000"/>
-              </a:lnSpc>
-              <a:spcBef>
-                <a:spcPts val="1000"/>
-              </a:spcBef>
-              <a:spcAft>
-                <a:spcPts val="0"/>
-              </a:spcAft>
-              <a:buSzPts val="2000"/>
-              <a:buChar char="•"/>
-            </a:pPr>
-            <a:r>
-              <a:rPr lang="en-US" b="0" i="0">
-                <a:solidFill>
-                  <a:srgbClr val="292929"/>
-                </a:solidFill>
-                <a:latin typeface="Arial" panose="020B0604020202020204"/>
-                <a:ea typeface="Arial" panose="020B0604020202020204"/>
-                <a:cs typeface="Arial" panose="020B0604020202020204"/>
-                <a:sym typeface="Arial" panose="020B0604020202020204"/>
-              </a:rPr>
-              <a:t>Birincisi main threadin uzunca bir süre, child threadlerin çalışma süresini kapsayacak şekilde, sleep() metodu ile uyutulması. Bu yöntem child threadlerin ne kadar süre çalışacağını kestiremediğimiz için uyuma süresini belirlemek çok zor olduğundan tercih edilebilecek en kötü yöntem olarak karşımıza çıkıyor.</a:t>
-            </a:r>
-            <a:endParaRPr lang="en-US" b="0" i="0">
-              <a:solidFill>
-                <a:srgbClr val="292929"/>
-              </a:solidFill>
-              <a:latin typeface="Arial" panose="020B0604020202020204"/>
-              <a:ea typeface="Arial" panose="020B0604020202020204"/>
-              <a:cs typeface="Arial" panose="020B0604020202020204"/>
-              <a:sym typeface="Arial" panose="020B0604020202020204"/>
-            </a:endParaRPr>
-          </a:p>
-          <a:p>
-            <a:pPr marL="228600" lvl="0" indent="-228600" algn="l" rtl="0">
-              <a:lnSpc>
-                <a:spcPct val="90000"/>
-              </a:lnSpc>
-              <a:spcBef>
-                <a:spcPts val="1000"/>
-              </a:spcBef>
-              <a:spcAft>
-                <a:spcPts val="0"/>
-              </a:spcAft>
-              <a:buSzPts val="2000"/>
-              <a:buChar char="•"/>
-            </a:pPr>
-            <a:r>
-              <a:rPr lang="en-US" b="0" i="0">
-                <a:solidFill>
-                  <a:srgbClr val="292929"/>
-                </a:solidFill>
-                <a:latin typeface="Arial" panose="020B0604020202020204"/>
-                <a:ea typeface="Arial" panose="020B0604020202020204"/>
-                <a:cs typeface="Arial" panose="020B0604020202020204"/>
-                <a:sym typeface="Arial" panose="020B0604020202020204"/>
-              </a:rPr>
-              <a:t>İkinci yöntem ise her bir threadin </a:t>
-            </a:r>
-            <a:r>
-              <a:rPr lang="en-US" b="1" i="0">
-                <a:solidFill>
-                  <a:srgbClr val="292929"/>
-                </a:solidFill>
-                <a:latin typeface="Arial" panose="020B0604020202020204"/>
-                <a:ea typeface="Arial" panose="020B0604020202020204"/>
-                <a:cs typeface="Arial" panose="020B0604020202020204"/>
-                <a:sym typeface="Arial" panose="020B0604020202020204"/>
-              </a:rPr>
-              <a:t>isAlive</a:t>
-            </a:r>
-            <a:r>
-              <a:rPr lang="en-US" b="0" i="0">
-                <a:solidFill>
-                  <a:srgbClr val="292929"/>
-                </a:solidFill>
-                <a:latin typeface="Arial" panose="020B0604020202020204"/>
-                <a:ea typeface="Arial" panose="020B0604020202020204"/>
-                <a:cs typeface="Arial" panose="020B0604020202020204"/>
-                <a:sym typeface="Arial" panose="020B0604020202020204"/>
-              </a:rPr>
-              <a:t>() metodunu çağırarak threadlerin çalışma durumunu bir döngü ile takip etmek ve bu süre zarfında main threadi sürekli uyutmak. isAlive() metodu söz konusu thread çalıştığı sürece true döner ve thread son bulduğu zaman dönüş değeri false değerini alır. Örneği inceleyelim;</a:t>
-            </a:r>
-            <a:endParaRPr lang="en-US" b="0" i="0">
-              <a:solidFill>
-                <a:srgbClr val="292929"/>
-              </a:solidFill>
-              <a:latin typeface="Arial" panose="020B0604020202020204"/>
-              <a:ea typeface="Arial" panose="020B0604020202020204"/>
-              <a:cs typeface="Arial" panose="020B0604020202020204"/>
-              <a:sym typeface="Arial" panose="020B0604020202020204"/>
-            </a:endParaRPr>
-          </a:p>
-          <a:p>
-            <a:pPr marL="228600" lvl="0" indent="-101600" algn="l" rtl="0">
-              <a:lnSpc>
-                <a:spcPct val="90000"/>
-              </a:lnSpc>
-              <a:spcBef>
-                <a:spcPts val="1000"/>
-              </a:spcBef>
-              <a:spcAft>
-                <a:spcPts val="0"/>
-              </a:spcAft>
-              <a:buSzPts val="2000"/>
-              <a:buNone/>
-            </a:pPr>
           </a:p>
         </p:txBody>
       </p:sp>
@@ -12019,7 +11972,6 @@
               <a:rPr lang="en-US"/>
               <a:t>Bir Threadin Bitmesini Nasıl Bekleriz ?</a:t>
             </a:r>
-            <a:endParaRPr lang="en-US"/>
           </a:p>
         </p:txBody>
       </p:sp>
@@ -12030,7 +11982,7 @@
           <p:nvPr/>
         </p:nvPicPr>
         <p:blipFill rotWithShape="1">
-          <a:blip r:embed="rId1"/>
+          <a:blip r:embed="rId3"/>
           <a:srcRect/>
           <a:stretch>
             <a:fillRect/>
@@ -12064,7 +12016,7 @@
     <p:bg>
       <p:bgPr>
         <a:blipFill rotWithShape="1">
-          <a:blip r:embed="rId1">
+          <a:blip r:embed="rId3">
             <a:duotone>
               <a:schemeClr val="bg1">
                 <a:tint val="75000"/>
@@ -12100,7 +12052,7 @@
         <p:nvGrpSpPr>
           <p:cNvPr id="114" name="Group 113"/>
           <p:cNvGrpSpPr>
-            <a:grpSpLocks noGrp="1" noRot="1" noChangeAspect="1" noMove="1" noResize="1" noUngrp="1"/>
+            <a:grpSpLocks noGrp="1" noUngrp="1" noRot="1" noChangeAspect="1" noMove="1" noResize="1"/>
           </p:cNvGrpSpPr>
           <p:nvPr/>
         </p:nvGrpSpPr>
@@ -12127,7 +12079,7 @@
               <a:avLst/>
             </a:prstGeom>
             <a:blipFill dpi="0" rotWithShape="1">
-              <a:blip r:embed="rId2">
+              <a:blip r:embed="rId4">
                 <a:duotone>
                   <a:schemeClr val="accent1">
                     <a:shade val="45000"/>
@@ -12138,7 +12090,7 @@
                 <a:extLst>
                   <a:ext uri="{BEBA8EAE-BF5A-486C-A8C5-ECC9F3942E4B}">
                     <a14:imgProps xmlns:a14="http://schemas.microsoft.com/office/drawing/2010/main">
-                      <a14:imgLayer r:embed="rId3">
+                      <a14:imgLayer r:embed="rId5">
                         <a14:imgEffect>
                           <a14:brightnessContrast bright="-40000" contrast="20000"/>
                         </a14:imgEffect>
@@ -12344,11 +12296,6 @@
               </a:rPr>
               <a:t>Bir Threadin Bitmesini Nasıl Bekleriz ?</a:t>
             </a:r>
-            <a:endParaRPr lang="en-US" sz="4400">
-              <a:solidFill>
-                <a:schemeClr val="tx1"/>
-              </a:solidFill>
-            </a:endParaRPr>
           </a:p>
         </p:txBody>
       </p:sp>
@@ -12569,7 +12516,7 @@
           <p:nvPr/>
         </p:nvPicPr>
         <p:blipFill rotWithShape="1">
-          <a:blip r:embed="rId4"/>
+          <a:blip r:embed="rId6"/>
           <a:stretch>
             <a:fillRect/>
           </a:stretch>
@@ -12641,7 +12588,7 @@
         <p:nvGrpSpPr>
           <p:cNvPr id="122" name="Group 121"/>
           <p:cNvGrpSpPr>
-            <a:grpSpLocks noGrp="1" noRot="1" noChangeAspect="1" noMove="1" noResize="1" noUngrp="1"/>
+            <a:grpSpLocks noGrp="1" noUngrp="1" noRot="1" noChangeAspect="1" noMove="1" noResize="1"/>
           </p:cNvGrpSpPr>
           <p:nvPr/>
         </p:nvGrpSpPr>
@@ -12668,7 +12615,7 @@
               <a:avLst/>
             </a:prstGeom>
             <a:blipFill dpi="0" rotWithShape="1">
-              <a:blip r:embed="rId2">
+              <a:blip r:embed="rId4">
                 <a:duotone>
                   <a:schemeClr val="accent1">
                     <a:shade val="45000"/>
@@ -12679,7 +12626,7 @@
                 <a:extLst>
                   <a:ext uri="{BEBA8EAE-BF5A-486C-A8C5-ECC9F3942E4B}">
                     <a14:imgProps xmlns:a14="http://schemas.microsoft.com/office/drawing/2010/main">
-                      <a14:imgLayer r:embed="rId3">
+                      <a14:imgLayer r:embed="rId5">
                         <a14:imgEffect>
                           <a14:brightnessContrast bright="-40000" contrast="20000"/>
                         </a14:imgEffect>
@@ -12797,7 +12744,6 @@
               <a:rPr lang="en-US"/>
               <a:t>Bir Threadin Bitmesini Nasıl Bekleriz ?</a:t>
             </a:r>
-            <a:endParaRPr lang="en-US"/>
           </a:p>
         </p:txBody>
       </p:sp>
@@ -12851,7 +12797,6 @@
               <a:rPr lang="en-US" b="0" i="0"/>
               <a:t>() metodunun kullanımıdır. join() metodu child threadleri yaratan thread tarafından çağrılır ve isminden de anlaşılacağı gibi child threadlerin işlerini bitirip tekrar main threade katılmalarını söyler. Böylece sleep() metodunu kullanmaya gerek kalmaz ve işi biten child thread main threadi bunun hakkında bilgilendirir. Şimdi thread join metodunun nasıl kullanıldığını örnekle görelim;</a:t>
             </a:r>
-            <a:endParaRPr lang="en-US" b="0" i="0"/>
           </a:p>
         </p:txBody>
       </p:sp>
@@ -12862,7 +12807,7 @@
           <p:nvPr/>
         </p:nvPicPr>
         <p:blipFill rotWithShape="1">
-          <a:blip r:embed="rId1"/>
+          <a:blip r:embed="rId3"/>
           <a:srcRect/>
           <a:stretch>
             <a:fillRect/>
@@ -12919,7 +12864,7 @@
         <p:nvGrpSpPr>
           <p:cNvPr id="128" name="Group 127"/>
           <p:cNvGrpSpPr>
-            <a:grpSpLocks noGrp="1" noRot="1" noChangeAspect="1" noMove="1" noResize="1" noUngrp="1"/>
+            <a:grpSpLocks noGrp="1" noUngrp="1" noRot="1" noChangeAspect="1" noMove="1" noResize="1"/>
           </p:cNvGrpSpPr>
           <p:nvPr/>
         </p:nvGrpSpPr>
@@ -12946,7 +12891,7 @@
               <a:avLst/>
             </a:prstGeom>
             <a:blipFill dpi="0" rotWithShape="1">
-              <a:blip r:embed="rId1">
+              <a:blip r:embed="rId3">
                 <a:duotone>
                   <a:schemeClr val="accent1">
                     <a:shade val="45000"/>
@@ -12957,7 +12902,7 @@
                 <a:extLst>
                   <a:ext uri="{BEBA8EAE-BF5A-486C-A8C5-ECC9F3942E4B}">
                     <a14:imgProps xmlns:a14="http://schemas.microsoft.com/office/drawing/2010/main">
-                      <a14:imgLayer r:embed="rId2">
+                      <a14:imgLayer r:embed="rId4">
                         <a14:imgEffect>
                           <a14:brightnessContrast bright="-40000" contrast="20000"/>
                         </a14:imgEffect>
@@ -13163,11 +13108,6 @@
               </a:rPr>
               <a:t>Bir Threadin Bitmesini Nasıl Bekleriz ?</a:t>
             </a:r>
-            <a:endParaRPr lang="en-US" sz="3400">
-              <a:solidFill>
-                <a:schemeClr val="tx1"/>
-              </a:solidFill>
-            </a:endParaRPr>
           </a:p>
         </p:txBody>
       </p:sp>
@@ -13436,7 +13376,7 @@
           <p:nvPr/>
         </p:nvPicPr>
         <p:blipFill rotWithShape="1">
-          <a:blip r:embed="rId3"/>
+          <a:blip r:embed="rId5"/>
           <a:stretch>
             <a:fillRect/>
           </a:stretch>
@@ -13508,7 +13448,7 @@
         <p:nvGrpSpPr>
           <p:cNvPr id="261" name="Group 260"/>
           <p:cNvGrpSpPr>
-            <a:grpSpLocks noGrp="1" noRot="1" noChangeAspect="1" noMove="1" noResize="1" noUngrp="1"/>
+            <a:grpSpLocks noGrp="1" noUngrp="1" noRot="1" noChangeAspect="1" noMove="1" noResize="1"/>
           </p:cNvGrpSpPr>
           <p:nvPr/>
         </p:nvGrpSpPr>
@@ -13535,7 +13475,7 @@
               <a:avLst/>
             </a:prstGeom>
             <a:blipFill dpi="0" rotWithShape="1">
-              <a:blip r:embed="rId1">
+              <a:blip r:embed="rId3">
                 <a:duotone>
                   <a:schemeClr val="accent1">
                     <a:shade val="45000"/>
@@ -13546,7 +13486,7 @@
                 <a:extLst>
                   <a:ext uri="{BEBA8EAE-BF5A-486C-A8C5-ECC9F3942E4B}">
                     <a14:imgProps xmlns:a14="http://schemas.microsoft.com/office/drawing/2010/main">
-                      <a14:imgLayer r:embed="rId2">
+                      <a14:imgLayer r:embed="rId4">
                         <a14:imgEffect>
                           <a14:brightnessContrast bright="-40000" contrast="20000"/>
                         </a14:imgEffect>
@@ -13664,7 +13604,6 @@
               <a:rPr lang="en-US"/>
               <a:t>Producer Consumer Problemi</a:t>
             </a:r>
-            <a:endParaRPr lang="en-US"/>
           </a:p>
         </p:txBody>
       </p:sp>
@@ -13731,6 +13670,7 @@
                 </a:spcAft>
                 <a:buNone/>
               </a:pPr>
+              <a:endParaRPr/>
             </a:p>
           </p:txBody>
         </p:sp>
@@ -13788,15 +13728,6 @@
                 </a:rPr>
                 <a:t>Bir veri kuyruğuna yazma işlemi yapacak bir thread oluşturunuz.</a:t>
               </a:r>
-              <a:endParaRPr lang="en-US" sz="2900">
-                <a:solidFill>
-                  <a:schemeClr val="lt1"/>
-                </a:solidFill>
-                <a:latin typeface="Calibri" panose="020F0502020204030204"/>
-                <a:ea typeface="Calibri" panose="020F0502020204030204"/>
-                <a:cs typeface="Calibri" panose="020F0502020204030204"/>
-                <a:sym typeface="Calibri" panose="020F0502020204030204"/>
-              </a:endParaRPr>
             </a:p>
           </p:txBody>
         </p:sp>
@@ -13849,6 +13780,7 @@
                 </a:spcAft>
                 <a:buNone/>
               </a:pPr>
+              <a:endParaRPr/>
             </a:p>
           </p:txBody>
         </p:sp>
@@ -13906,15 +13838,6 @@
                 </a:rPr>
                 <a:t>Aynı veri kuyruğundan verileri sırası ile alacak bir thread oluşturunuz.</a:t>
               </a:r>
-              <a:endParaRPr lang="en-US" sz="2900">
-                <a:solidFill>
-                  <a:schemeClr val="lt1"/>
-                </a:solidFill>
-                <a:latin typeface="Calibri" panose="020F0502020204030204"/>
-                <a:ea typeface="Calibri" panose="020F0502020204030204"/>
-                <a:cs typeface="Calibri" panose="020F0502020204030204"/>
-                <a:sym typeface="Calibri" panose="020F0502020204030204"/>
-              </a:endParaRPr>
             </a:p>
           </p:txBody>
         </p:sp>
@@ -13967,6 +13890,7 @@
                 </a:spcAft>
                 <a:buNone/>
               </a:pPr>
+              <a:endParaRPr/>
             </a:p>
           </p:txBody>
         </p:sp>
@@ -14024,15 +13948,6 @@
                 </a:rPr>
                 <a:t>Bu veri kuyruğu en fazla 10 değer alabilmelidir.</a:t>
               </a:r>
-              <a:endParaRPr lang="en-US" sz="2900">
-                <a:solidFill>
-                  <a:schemeClr val="lt1"/>
-                </a:solidFill>
-                <a:latin typeface="Calibri" panose="020F0502020204030204"/>
-                <a:ea typeface="Calibri" panose="020F0502020204030204"/>
-                <a:cs typeface="Calibri" panose="020F0502020204030204"/>
-                <a:sym typeface="Calibri" panose="020F0502020204030204"/>
-              </a:endParaRPr>
             </a:p>
           </p:txBody>
         </p:sp>
@@ -14085,6 +14000,7 @@
                 </a:spcAft>
                 <a:buNone/>
               </a:pPr>
+              <a:endParaRPr/>
             </a:p>
           </p:txBody>
         </p:sp>
@@ -14142,15 +14058,6 @@
                 </a:rPr>
                 <a:t>Okuma işlemi yapıldıktan sonra değer veri kuyruğundan çıkarılmalıdır.</a:t>
               </a:r>
-              <a:endParaRPr lang="en-US" sz="2900">
-                <a:solidFill>
-                  <a:schemeClr val="lt1"/>
-                </a:solidFill>
-                <a:latin typeface="Calibri" panose="020F0502020204030204"/>
-                <a:ea typeface="Calibri" panose="020F0502020204030204"/>
-                <a:cs typeface="Calibri" panose="020F0502020204030204"/>
-                <a:sym typeface="Calibri" panose="020F0502020204030204"/>
-              </a:endParaRPr>
             </a:p>
           </p:txBody>
         </p:sp>
@@ -14162,7 +14069,7 @@
           <p:nvPr/>
         </p:nvPicPr>
         <p:blipFill rotWithShape="1">
-          <a:blip r:embed="rId1"/>
+          <a:blip r:embed="rId3"/>
           <a:srcRect/>
           <a:stretch>
             <a:fillRect/>
@@ -14311,7 +14218,6 @@
               <a:rPr lang="en-US"/>
               <a:t>MultiTasking ve MultiThreading Nedir?</a:t>
             </a:r>
-            <a:endParaRPr lang="en-US"/>
           </a:p>
         </p:txBody>
       </p:sp>
@@ -14357,7 +14263,6 @@
               <a:rPr lang="en-US" sz="1700"/>
               <a:t>MultiTasking, bilgisayarın birçok process’I (işlem) aynı anda çalıştırmasıdır. Örneğin hem Web Browserı çalıştırırken aynı zamanda spotify üzerinden müzik dinlememizi sağlaması gibi.</a:t>
             </a:r>
-            <a:endParaRPr lang="en-US" sz="1700"/>
           </a:p>
           <a:p>
             <a:pPr marL="0" lvl="0" indent="0" algn="ctr" rtl="0">
@@ -14377,7 +14282,6 @@
               <a:rPr lang="en-US" sz="1700"/>
               <a:t>MultiThreading ise bir process içinde bir çok iş parçaçığı (thread) oluşturup bir çok işi bir arada yapmaktır. Örneğin, IDE üzerinde kod yazarken IDE’nin yazım hatalarımızı denetlemesi gibi.</a:t>
             </a:r>
-            <a:endParaRPr lang="en-US" sz="1700"/>
           </a:p>
         </p:txBody>
       </p:sp>
@@ -14452,7 +14356,6 @@
               <a:rPr lang="en-US"/>
               <a:t>Thread Önceliklendirme</a:t>
             </a:r>
-            <a:endParaRPr lang="en-US"/>
           </a:p>
         </p:txBody>
       </p:sp>
@@ -14506,6 +14409,147 @@
               </a:rPr>
               <a:t>Çok threadli bir uygulamada threadlerin CPU zamanını paylaşarak çalıştığından bahsetmiştik. Hangi threadin ne kadar diğer threadlere oranla CPU zamanı alacağına threadin öncelik değerine göre karar verilir.</a:t>
             </a:r>
+          </a:p>
+          <a:p>
+            <a:pPr marL="228600" lvl="0" indent="-228600" algn="l" rtl="0">
+              <a:lnSpc>
+                <a:spcPct val="90000"/>
+              </a:lnSpc>
+              <a:spcBef>
+                <a:spcPts val="1000"/>
+              </a:spcBef>
+              <a:spcAft>
+                <a:spcPts val="0"/>
+              </a:spcAft>
+              <a:buSzPts val="2000"/>
+              <a:buChar char="•"/>
+            </a:pPr>
+            <a:r>
+              <a:rPr lang="en-US" b="0" i="0">
+                <a:solidFill>
+                  <a:srgbClr val="292929"/>
+                </a:solidFill>
+                <a:latin typeface="Arial" panose="020B0604020202020204"/>
+                <a:ea typeface="Arial" panose="020B0604020202020204"/>
+                <a:cs typeface="Arial" panose="020B0604020202020204"/>
+                <a:sym typeface="Arial" panose="020B0604020202020204"/>
+              </a:rPr>
+              <a:t>Bir threadin görece</a:t>
+            </a:r>
+            <a:r>
+              <a:rPr lang="en-US">
+                <a:solidFill>
+                  <a:srgbClr val="292929"/>
+                </a:solidFill>
+                <a:latin typeface="Arial" panose="020B0604020202020204"/>
+                <a:ea typeface="Arial" panose="020B0604020202020204"/>
+                <a:cs typeface="Arial" panose="020B0604020202020204"/>
+                <a:sym typeface="Arial" panose="020B0604020202020204"/>
+              </a:rPr>
+              <a:t> </a:t>
+            </a:r>
+            <a:r>
+              <a:rPr lang="en-US" b="0" i="0">
+                <a:solidFill>
+                  <a:srgbClr val="292929"/>
+                </a:solidFill>
+                <a:latin typeface="Arial" panose="020B0604020202020204"/>
+                <a:ea typeface="Arial" panose="020B0604020202020204"/>
+                <a:cs typeface="Arial" panose="020B0604020202020204"/>
+                <a:sym typeface="Arial" panose="020B0604020202020204"/>
+              </a:rPr>
+              <a:t>daha yüksek önceliğe sahip olması o threadin daha düşük öncelikli bir threade göre daha hızlı yada daha fazla CPU zamanı alarak çalışacağı anlamına gelmez. Çünkü bir threadin ne kadar CPU zamanı alacağını belirlemede öncelik dışında başka faktörler de vardır. Bunlar arasında işletim sisteminin multitaskingi nasıl uyguladığı, öncelikli threadin çeşitli nedenlerle bloklanıp bloklanmadığı sayılabilir.</a:t>
+            </a:r>
+          </a:p>
+          <a:p>
+            <a:pPr marL="228600" lvl="0" indent="-228600" algn="l" rtl="0">
+              <a:lnSpc>
+                <a:spcPct val="90000"/>
+              </a:lnSpc>
+              <a:spcBef>
+                <a:spcPts val="1000"/>
+              </a:spcBef>
+              <a:spcAft>
+                <a:spcPts val="0"/>
+              </a:spcAft>
+              <a:buSzPts val="2000"/>
+              <a:buChar char="•"/>
+            </a:pPr>
+            <a:r>
+              <a:rPr lang="en-US" b="0" i="0">
+                <a:solidFill>
+                  <a:srgbClr val="292929"/>
+                </a:solidFill>
+                <a:latin typeface="Arial" panose="020B0604020202020204"/>
+                <a:ea typeface="Arial" panose="020B0604020202020204"/>
+                <a:cs typeface="Arial" panose="020B0604020202020204"/>
+                <a:sym typeface="Arial" panose="020B0604020202020204"/>
+              </a:rPr>
+              <a:t>Her threadin bir öncelik değeri vardır, bu değer 1 ila 10 arasında değişir. Biz bir değer atamazsak yarattığımız thread 5 ortalama öncelik değerine sahip olur. En düşük değer için MIN_PRIORITY, en yüksek değer için MAX_PRIORITY ve ortalama değer için NORM_PRIORITY Thread sınıfı içinde sabit olarak tanımlanmıştır. Bir threadin önceliğini atamak için </a:t>
+            </a:r>
+            <a:r>
+              <a:rPr lang="en-US" b="1" i="0">
+                <a:solidFill>
+                  <a:srgbClr val="292929"/>
+                </a:solidFill>
+                <a:latin typeface="Arial" panose="020B0604020202020204"/>
+                <a:ea typeface="Arial" panose="020B0604020202020204"/>
+                <a:cs typeface="Arial" panose="020B0604020202020204"/>
+                <a:sym typeface="Arial" panose="020B0604020202020204"/>
+              </a:rPr>
+              <a:t>setPriority</a:t>
+            </a:r>
+            <a:r>
+              <a:rPr lang="en-US" b="0" i="0">
+                <a:solidFill>
+                  <a:srgbClr val="292929"/>
+                </a:solidFill>
+                <a:latin typeface="Arial" panose="020B0604020202020204"/>
+                <a:ea typeface="Arial" panose="020B0604020202020204"/>
+                <a:cs typeface="Arial" panose="020B0604020202020204"/>
+                <a:sym typeface="Arial" panose="020B0604020202020204"/>
+              </a:rPr>
+              <a:t>() metodu, aynı şekilde öncelik değerini okumak için de </a:t>
+            </a:r>
+            <a:r>
+              <a:rPr lang="en-US" b="1" i="0">
+                <a:solidFill>
+                  <a:srgbClr val="292929"/>
+                </a:solidFill>
+                <a:latin typeface="Arial" panose="020B0604020202020204"/>
+                <a:ea typeface="Arial" panose="020B0604020202020204"/>
+                <a:cs typeface="Arial" panose="020B0604020202020204"/>
+                <a:sym typeface="Arial" panose="020B0604020202020204"/>
+              </a:rPr>
+              <a:t>getPriority</a:t>
+            </a:r>
+            <a:r>
+              <a:rPr lang="en-US" b="0" i="0">
+                <a:solidFill>
+                  <a:srgbClr val="292929"/>
+                </a:solidFill>
+                <a:latin typeface="Arial" panose="020B0604020202020204"/>
+                <a:ea typeface="Arial" panose="020B0604020202020204"/>
+                <a:cs typeface="Arial" panose="020B0604020202020204"/>
+                <a:sym typeface="Arial" panose="020B0604020202020204"/>
+              </a:rPr>
+              <a:t>() metodu kullanılır. Şimdi thread önceliklendirmenin nasıl yapıldığını örnekle görelim;</a:t>
+            </a:r>
+          </a:p>
+          <a:p>
+            <a:pPr marL="228600" lvl="0" indent="-101600" algn="l" rtl="0">
+              <a:lnSpc>
+                <a:spcPct val="90000"/>
+              </a:lnSpc>
+              <a:spcBef>
+                <a:spcPts val="1000"/>
+              </a:spcBef>
+              <a:spcAft>
+                <a:spcPts val="0"/>
+              </a:spcAft>
+              <a:buSzPts val="2000"/>
+              <a:buNone/>
+            </a:pPr>
             <a:endParaRPr lang="en-US" b="0" i="0">
               <a:solidFill>
                 <a:srgbClr val="292929"/>
@@ -14515,165 +14559,6 @@
               <a:cs typeface="Arial" panose="020B0604020202020204"/>
               <a:sym typeface="Arial" panose="020B0604020202020204"/>
             </a:endParaRPr>
-          </a:p>
-          <a:p>
-            <a:pPr marL="228600" lvl="0" indent="-228600" algn="l" rtl="0">
-              <a:lnSpc>
-                <a:spcPct val="90000"/>
-              </a:lnSpc>
-              <a:spcBef>
-                <a:spcPts val="1000"/>
-              </a:spcBef>
-              <a:spcAft>
-                <a:spcPts val="0"/>
-              </a:spcAft>
-              <a:buSzPts val="2000"/>
-              <a:buChar char="•"/>
-            </a:pPr>
-            <a:r>
-              <a:rPr lang="en-US" b="0" i="0">
-                <a:solidFill>
-                  <a:srgbClr val="292929"/>
-                </a:solidFill>
-                <a:latin typeface="Arial" panose="020B0604020202020204"/>
-                <a:ea typeface="Arial" panose="020B0604020202020204"/>
-                <a:cs typeface="Arial" panose="020B0604020202020204"/>
-                <a:sym typeface="Arial" panose="020B0604020202020204"/>
-              </a:rPr>
-              <a:t>Bir threadin görece</a:t>
-            </a:r>
-            <a:r>
-              <a:rPr lang="en-US">
-                <a:solidFill>
-                  <a:srgbClr val="292929"/>
-                </a:solidFill>
-                <a:latin typeface="Arial" panose="020B0604020202020204"/>
-                <a:ea typeface="Arial" panose="020B0604020202020204"/>
-                <a:cs typeface="Arial" panose="020B0604020202020204"/>
-                <a:sym typeface="Arial" panose="020B0604020202020204"/>
-              </a:rPr>
-              <a:t> </a:t>
-            </a:r>
-            <a:r>
-              <a:rPr lang="en-US" b="0" i="0">
-                <a:solidFill>
-                  <a:srgbClr val="292929"/>
-                </a:solidFill>
-                <a:latin typeface="Arial" panose="020B0604020202020204"/>
-                <a:ea typeface="Arial" panose="020B0604020202020204"/>
-                <a:cs typeface="Arial" panose="020B0604020202020204"/>
-                <a:sym typeface="Arial" panose="020B0604020202020204"/>
-              </a:rPr>
-              <a:t>daha yüksek önceliğe sahip olması o threadin daha düşük öncelikli bir threade göre daha hızlı yada daha fazla CPU zamanı alarak çalışacağı anlamına gelmez. Çünkü bir threadin ne kadar CPU zamanı alacağını belirlemede öncelik dışında başka faktörler de vardır. Bunlar arasında işletim sisteminin multitaskingi nasıl uyguladığı, öncelikli threadin çeşitli nedenlerle bloklanıp bloklanmadığı sayılabilir.</a:t>
-            </a:r>
-            <a:endParaRPr lang="en-US" b="0" i="0">
-              <a:solidFill>
-                <a:srgbClr val="292929"/>
-              </a:solidFill>
-              <a:latin typeface="Arial" panose="020B0604020202020204"/>
-              <a:ea typeface="Arial" panose="020B0604020202020204"/>
-              <a:cs typeface="Arial" panose="020B0604020202020204"/>
-              <a:sym typeface="Arial" panose="020B0604020202020204"/>
-            </a:endParaRPr>
-          </a:p>
-          <a:p>
-            <a:pPr marL="228600" lvl="0" indent="-228600" algn="l" rtl="0">
-              <a:lnSpc>
-                <a:spcPct val="90000"/>
-              </a:lnSpc>
-              <a:spcBef>
-                <a:spcPts val="1000"/>
-              </a:spcBef>
-              <a:spcAft>
-                <a:spcPts val="0"/>
-              </a:spcAft>
-              <a:buSzPts val="2000"/>
-              <a:buChar char="•"/>
-            </a:pPr>
-            <a:r>
-              <a:rPr lang="en-US" b="0" i="0">
-                <a:solidFill>
-                  <a:srgbClr val="292929"/>
-                </a:solidFill>
-                <a:latin typeface="Arial" panose="020B0604020202020204"/>
-                <a:ea typeface="Arial" panose="020B0604020202020204"/>
-                <a:cs typeface="Arial" panose="020B0604020202020204"/>
-                <a:sym typeface="Arial" panose="020B0604020202020204"/>
-              </a:rPr>
-              <a:t>Her threadin bir öncelik değeri vardır, bu değer 1 ila 10 arasında değişir. Biz bir değer atamazsak yarattığımız thread 5 ortalama öncelik değerine sahip olur. En düşük değer için MIN_PRIORITY, en yüksek değer için MAX_PRIORITY ve ortalama değer için NORM_PRIORITY Thread sınıfı içinde sabit olarak tanımlanmıştır. Bir threadin önceliğini atamak için </a:t>
-            </a:r>
-            <a:r>
-              <a:rPr lang="en-US" b="1" i="0">
-                <a:solidFill>
-                  <a:srgbClr val="292929"/>
-                </a:solidFill>
-                <a:latin typeface="Arial" panose="020B0604020202020204"/>
-                <a:ea typeface="Arial" panose="020B0604020202020204"/>
-                <a:cs typeface="Arial" panose="020B0604020202020204"/>
-                <a:sym typeface="Arial" panose="020B0604020202020204"/>
-              </a:rPr>
-              <a:t>setPriority</a:t>
-            </a:r>
-            <a:r>
-              <a:rPr lang="en-US" b="0" i="0">
-                <a:solidFill>
-                  <a:srgbClr val="292929"/>
-                </a:solidFill>
-                <a:latin typeface="Arial" panose="020B0604020202020204"/>
-                <a:ea typeface="Arial" panose="020B0604020202020204"/>
-                <a:cs typeface="Arial" panose="020B0604020202020204"/>
-                <a:sym typeface="Arial" panose="020B0604020202020204"/>
-              </a:rPr>
-              <a:t>() metodu, aynı şekilde öncelik değerini okumak için de </a:t>
-            </a:r>
-            <a:r>
-              <a:rPr lang="en-US" b="1" i="0">
-                <a:solidFill>
-                  <a:srgbClr val="292929"/>
-                </a:solidFill>
-                <a:latin typeface="Arial" panose="020B0604020202020204"/>
-                <a:ea typeface="Arial" panose="020B0604020202020204"/>
-                <a:cs typeface="Arial" panose="020B0604020202020204"/>
-                <a:sym typeface="Arial" panose="020B0604020202020204"/>
-              </a:rPr>
-              <a:t>getPriority</a:t>
-            </a:r>
-            <a:r>
-              <a:rPr lang="en-US" b="0" i="0">
-                <a:solidFill>
-                  <a:srgbClr val="292929"/>
-                </a:solidFill>
-                <a:latin typeface="Arial" panose="020B0604020202020204"/>
-                <a:ea typeface="Arial" panose="020B0604020202020204"/>
-                <a:cs typeface="Arial" panose="020B0604020202020204"/>
-                <a:sym typeface="Arial" panose="020B0604020202020204"/>
-              </a:rPr>
-              <a:t>() metodu kullanılır. Şimdi thread önceliklendirmenin nasıl yapıldığını örnekle görelim;</a:t>
-            </a:r>
-            <a:endParaRPr lang="en-US" b="0" i="0">
-              <a:solidFill>
-                <a:srgbClr val="292929"/>
-              </a:solidFill>
-              <a:latin typeface="Arial" panose="020B0604020202020204"/>
-              <a:ea typeface="Arial" panose="020B0604020202020204"/>
-              <a:cs typeface="Arial" panose="020B0604020202020204"/>
-              <a:sym typeface="Arial" panose="020B0604020202020204"/>
-            </a:endParaRPr>
-          </a:p>
-          <a:p>
-            <a:pPr marL="228600" lvl="0" indent="-101600" algn="l" rtl="0">
-              <a:lnSpc>
-                <a:spcPct val="90000"/>
-              </a:lnSpc>
-              <a:spcBef>
-                <a:spcPts val="1000"/>
-              </a:spcBef>
-              <a:spcAft>
-                <a:spcPts val="0"/>
-              </a:spcAft>
-              <a:buSzPts val="2000"/>
-              <a:buNone/>
-            </a:pPr>
           </a:p>
         </p:txBody>
       </p:sp>
@@ -14752,7 +14637,6 @@
               <a:rPr lang="en-US"/>
               <a:t>Thread Önceliklendirme</a:t>
             </a:r>
-            <a:endParaRPr lang="en-US"/>
           </a:p>
         </p:txBody>
       </p:sp>
@@ -14763,7 +14647,7 @@
           <p:nvPr/>
         </p:nvPicPr>
         <p:blipFill rotWithShape="1">
-          <a:blip r:embed="rId1"/>
+          <a:blip r:embed="rId3"/>
           <a:srcRect/>
           <a:stretch>
             <a:fillRect/>
@@ -14790,7 +14674,7 @@
           <p:nvPr/>
         </p:nvPicPr>
         <p:blipFill rotWithShape="1">
-          <a:blip r:embed="rId2"/>
+          <a:blip r:embed="rId4"/>
           <a:srcRect/>
           <a:stretch>
             <a:fillRect/>
@@ -15014,7 +14898,6 @@
               <a:rPr lang="en-US"/>
               <a:t>Senkronizasyon</a:t>
             </a:r>
-            <a:endParaRPr lang="en-US"/>
           </a:p>
         </p:txBody>
       </p:sp>
@@ -15135,7 +15018,6 @@
               <a:rPr lang="en-US"/>
               <a:t>Metotlarda Synchronized Anahtar Kelimesinin Kullanımı</a:t>
             </a:r>
-            <a:endParaRPr lang="en-US"/>
           </a:p>
         </p:txBody>
       </p:sp>
@@ -15264,7 +15146,6 @@
               <a:rPr lang="en-US"/>
               <a:t>Metotlarda Synchronized Anahtar Kelimesinin Kullanımı</a:t>
             </a:r>
-            <a:endParaRPr lang="en-US"/>
           </a:p>
         </p:txBody>
       </p:sp>
@@ -15279,7 +15160,7 @@
           </p:nvPr>
         </p:nvPicPr>
         <p:blipFill rotWithShape="1">
-          <a:blip r:embed="rId1"/>
+          <a:blip r:embed="rId3"/>
           <a:stretch>
             <a:fillRect/>
           </a:stretch>
@@ -15369,7 +15250,6 @@
               <a:rPr lang="en-US"/>
               <a:t>Metotlarda Synchronized Anahtar Kelimesinin Kullanımı</a:t>
             </a:r>
-            <a:endParaRPr lang="en-US"/>
           </a:p>
         </p:txBody>
       </p:sp>
@@ -15384,7 +15264,7 @@
           </p:nvPr>
         </p:nvPicPr>
         <p:blipFill rotWithShape="1">
-          <a:blip r:embed="rId1"/>
+          <a:blip r:embed="rId3"/>
           <a:stretch>
             <a:fillRect/>
           </a:stretch>
@@ -15474,7 +15354,6 @@
               <a:rPr lang="en-US" sz="3400"/>
               <a:t>Metotlarda Synchronized Anahtar Kelimesinin Kullanımı</a:t>
             </a:r>
-            <a:endParaRPr lang="en-US" sz="3400"/>
           </a:p>
         </p:txBody>
       </p:sp>
@@ -15489,7 +15368,7 @@
           </p:nvPr>
         </p:nvPicPr>
         <p:blipFill rotWithShape="1">
-          <a:blip r:embed="rId1"/>
+          <a:blip r:embed="rId3"/>
           <a:stretch>
             <a:fillRect/>
           </a:stretch>
@@ -15663,7 +15542,6 @@
               <a:rPr lang="en-US"/>
               <a:t>Synchronized Kod Bloğu</a:t>
             </a:r>
-            <a:endParaRPr lang="en-US"/>
           </a:p>
         </p:txBody>
       </p:sp>
@@ -15717,15 +15595,6 @@
               </a:rPr>
               <a:t>“synchronized” anahtar kelimesinin kontrolü bizde olan metodlara nasıl uygulandığını gördük. Fakat her zaman bu mümkün olmayabilir. Bazı durumlarda kontrolü bizde olmayan yani başkası tarafından yazılmış ve değiştirme şansımız olmayan metodları “synchronized” olarak çağırmamız gerekebilir. Böyle durumlarda “synchronized blok” yardımımıza yetişiyor. “synchronized” metot örneğini şimdi bir de “synchronized blok” ile yapalım;</a:t>
             </a:r>
-            <a:endParaRPr lang="en-US" b="0" i="0">
-              <a:solidFill>
-                <a:srgbClr val="292929"/>
-              </a:solidFill>
-              <a:latin typeface="Arial" panose="020B0604020202020204"/>
-              <a:ea typeface="Arial" panose="020B0604020202020204"/>
-              <a:cs typeface="Arial" panose="020B0604020202020204"/>
-              <a:sym typeface="Arial" panose="020B0604020202020204"/>
-            </a:endParaRPr>
           </a:p>
         </p:txBody>
       </p:sp>
@@ -15800,7 +15669,6 @@
               <a:rPr lang="en-US"/>
               <a:t>Synchronized Kod Bloğu</a:t>
             </a:r>
-            <a:endParaRPr lang="en-US"/>
           </a:p>
         </p:txBody>
       </p:sp>
@@ -15815,7 +15683,7 @@
           </p:nvPr>
         </p:nvPicPr>
         <p:blipFill rotWithShape="1">
-          <a:blip r:embed="rId1"/>
+          <a:blip r:embed="rId3"/>
           <a:stretch>
             <a:fillRect/>
           </a:stretch>
@@ -15905,7 +15773,6 @@
               <a:rPr lang="en-US"/>
               <a:t>MultiTasking ve MultiThreading Nedir?</a:t>
             </a:r>
-            <a:endParaRPr lang="en-US"/>
           </a:p>
         </p:txBody>
       </p:sp>
@@ -15951,7 +15818,6 @@
               <a:rPr lang="en-US"/>
               <a:t>Pek çoğumuz bilgisayarı açtığımız zaman aynı anda birkaç uygulamayı başlatırız. Örneğin kod yazarken bir yandan internette birşeyler arar bir yandan müzik dinler bir yandan da gelen maillerimizi kontrol ederiz. Bütün bunlar aynı anda olur yada bize öyle oluyormuş gibi gelir. İşte bu olaya multitasking denilir, yani eş zamanlı görevler.</a:t>
             </a:r>
-            <a:endParaRPr lang="en-US"/>
           </a:p>
           <a:p>
             <a:pPr marL="228600" lvl="0" indent="-228600" algn="l" rtl="0">
@@ -15971,7 +15837,6 @@
               <a:rPr lang="en-US"/>
               <a:t>Bilgisayarda multi tasking yapmanın iki yolu vardır; process ler aracılığıyla yada threadler aracılığıyla. Process dediğimiz şey işletim sistemi tarafından çalıştırılan her bir uygulamadır, az önce bahsettiğimiz gibi kod yazarken aynı anda müzik dinlemek processler aracılığı ile eş zamanlı görevlere örnek verilebilir. Thread ise processler tarafından yaratılan en küçük iş birimidir, aynı process içinde paralel işler yapmaya yarar. Örneğin müzik uygulamanızda bir yandan müzik dinlerken bir yandan da listelerde gezinebilirsiniz.</a:t>
             </a:r>
-            <a:endParaRPr lang="en-US"/>
           </a:p>
         </p:txBody>
       </p:sp>
@@ -16046,7 +15911,6 @@
               <a:rPr lang="en-US"/>
               <a:t>Synchronized Kod Bloğu</a:t>
             </a:r>
-            <a:endParaRPr lang="en-US"/>
           </a:p>
         </p:txBody>
       </p:sp>
@@ -16061,7 +15925,7 @@
           </p:nvPr>
         </p:nvPicPr>
         <p:blipFill rotWithShape="1">
-          <a:blip r:embed="rId1"/>
+          <a:blip r:embed="rId3"/>
           <a:stretch>
             <a:fillRect/>
           </a:stretch>
@@ -16151,7 +16015,6 @@
               <a:rPr lang="en-US"/>
               <a:t>Synchronized Kod Bloğu</a:t>
             </a:r>
-            <a:endParaRPr lang="en-US"/>
           </a:p>
         </p:txBody>
       </p:sp>
@@ -16166,7 +16029,7 @@
           </p:nvPr>
         </p:nvPicPr>
         <p:blipFill rotWithShape="1">
-          <a:blip r:embed="rId1"/>
+          <a:blip r:embed="rId3"/>
           <a:stretch>
             <a:fillRect/>
           </a:stretch>
@@ -16256,7 +16119,6 @@
               <a:rPr lang="en-US"/>
               <a:t>Synchronized Kod Bloğu</a:t>
             </a:r>
-            <a:endParaRPr lang="en-US"/>
           </a:p>
         </p:txBody>
       </p:sp>
@@ -16302,7 +16164,6 @@
               <a:rPr lang="en-US" b="0" i="0"/>
               <a:t>Çıktıda görüldüğü gibi synchronized blok synchronized metot ile benzer bir davranış sergiledi. sum() metodunda bulunan synchronized ifadesini kaldırıp thread sınıfı içerisinde ArrayOperations objesine synchronized blok içerisinden eriştik.</a:t>
             </a:r>
-            <a:endParaRPr lang="en-US" b="0" i="0"/>
           </a:p>
         </p:txBody>
       </p:sp>
@@ -16377,7 +16238,6 @@
               <a:rPr lang="en-US"/>
               <a:t>Threadler Arası İletişim</a:t>
             </a:r>
-            <a:endParaRPr lang="en-US"/>
           </a:p>
         </p:txBody>
       </p:sp>
@@ -16527,15 +16387,6 @@
               </a:rPr>
               <a:t>.</a:t>
             </a:r>
-            <a:endParaRPr lang="en-US" b="0" i="0">
-              <a:solidFill>
-                <a:srgbClr val="292929"/>
-              </a:solidFill>
-              <a:latin typeface="Arial" panose="020B0604020202020204"/>
-              <a:ea typeface="Arial" panose="020B0604020202020204"/>
-              <a:cs typeface="Arial" panose="020B0604020202020204"/>
-              <a:sym typeface="Arial" panose="020B0604020202020204"/>
-            </a:endParaRPr>
           </a:p>
           <a:p>
             <a:pPr marL="228600" lvl="0" indent="-228600" algn="l" rtl="0">
@@ -16563,15 +16414,6 @@
               </a:rPr>
               <a:t>Bu durumu basit bir tick tock uygulaması yaparak yakından görelim;</a:t>
             </a:r>
-            <a:endParaRPr lang="en-US" b="0" i="0">
-              <a:solidFill>
-                <a:srgbClr val="292929"/>
-              </a:solidFill>
-              <a:latin typeface="Arial" panose="020B0604020202020204"/>
-              <a:ea typeface="Arial" panose="020B0604020202020204"/>
-              <a:cs typeface="Arial" panose="020B0604020202020204"/>
-              <a:sym typeface="Arial" panose="020B0604020202020204"/>
-            </a:endParaRPr>
           </a:p>
         </p:txBody>
       </p:sp>
@@ -16650,7 +16492,6 @@
               <a:rPr lang="en-US"/>
               <a:t>Threadler Arası İletişim</a:t>
             </a:r>
-            <a:endParaRPr lang="en-US"/>
           </a:p>
         </p:txBody>
       </p:sp>
@@ -16665,7 +16506,7 @@
           </p:nvPr>
         </p:nvPicPr>
         <p:blipFill rotWithShape="1">
-          <a:blip r:embed="rId1"/>
+          <a:blip r:embed="rId3"/>
           <a:srcRect/>
           <a:stretch>
             <a:fillRect/>
@@ -16756,7 +16597,6 @@
               <a:rPr lang="en-US"/>
               <a:t>Threadler Arası İletişim</a:t>
             </a:r>
-            <a:endParaRPr lang="en-US"/>
           </a:p>
         </p:txBody>
       </p:sp>
@@ -16771,7 +16611,7 @@
           </p:nvPr>
         </p:nvPicPr>
         <p:blipFill rotWithShape="1">
-          <a:blip r:embed="rId1"/>
+          <a:blip r:embed="rId3"/>
           <a:srcRect/>
           <a:stretch>
             <a:fillRect/>
@@ -16798,7 +16638,7 @@
           <p:nvPr/>
         </p:nvPicPr>
         <p:blipFill rotWithShape="1">
-          <a:blip r:embed="rId2"/>
+          <a:blip r:embed="rId4"/>
           <a:srcRect/>
           <a:stretch>
             <a:fillRect/>
@@ -16889,7 +16729,6 @@
               <a:rPr lang="en-US"/>
               <a:t>Threadler Arası İletişim</a:t>
             </a:r>
-            <a:endParaRPr lang="en-US"/>
           </a:p>
         </p:txBody>
       </p:sp>
@@ -16943,15 +16782,6 @@
               </a:rPr>
               <a:t>Örnekte görüldüğü gibi iki thread farklı mesajları ekrana bastırmak için ayarlanmıştır ve threadler mesajları yazdırmak için birbirini beklemektedir. İlk thread ‘Tick’ mesajını yazdırdıktan sonra beklemeye geçer ve topu diğer threade atar. O thread de aynı şekilde ‘tock’ mesajını yazdıktan sonra beklemeye geçer ve yeniden ‘tick’ mesajı yazılması için diğer threadi uyarır.</a:t>
             </a:r>
-            <a:endParaRPr lang="en-US" b="0" i="0">
-              <a:solidFill>
-                <a:srgbClr val="292929"/>
-              </a:solidFill>
-              <a:latin typeface="Arial" panose="020B0604020202020204"/>
-              <a:ea typeface="Arial" panose="020B0604020202020204"/>
-              <a:cs typeface="Arial" panose="020B0604020202020204"/>
-              <a:sym typeface="Arial" panose="020B0604020202020204"/>
-            </a:endParaRPr>
           </a:p>
         </p:txBody>
       </p:sp>
@@ -17026,7 +16856,6 @@
               <a:rPr lang="en-US"/>
               <a:t>Producer Consumer Problemi</a:t>
             </a:r>
-            <a:endParaRPr lang="en-US"/>
           </a:p>
         </p:txBody>
       </p:sp>
@@ -17093,6 +16922,7 @@
                 </a:spcAft>
                 <a:buNone/>
               </a:pPr>
+              <a:endParaRPr/>
             </a:p>
           </p:txBody>
         </p:sp>
@@ -17150,15 +16980,6 @@
                 </a:rPr>
                 <a:t>Bir veri kuyruğuna yazma işlemi yapacak bir thread oluşturunuz.</a:t>
               </a:r>
-              <a:endParaRPr lang="en-US" sz="2900">
-                <a:solidFill>
-                  <a:schemeClr val="lt1"/>
-                </a:solidFill>
-                <a:latin typeface="Calibri" panose="020F0502020204030204"/>
-                <a:ea typeface="Calibri" panose="020F0502020204030204"/>
-                <a:cs typeface="Calibri" panose="020F0502020204030204"/>
-                <a:sym typeface="Calibri" panose="020F0502020204030204"/>
-              </a:endParaRPr>
             </a:p>
           </p:txBody>
         </p:sp>
@@ -17211,6 +17032,7 @@
                 </a:spcAft>
                 <a:buNone/>
               </a:pPr>
+              <a:endParaRPr/>
             </a:p>
           </p:txBody>
         </p:sp>
@@ -17268,15 +17090,6 @@
                 </a:rPr>
                 <a:t>Aynı veri kuyruğundan verileri sırası ile alacak bir thread oluşturunuz.</a:t>
               </a:r>
-              <a:endParaRPr lang="en-US" sz="2900">
-                <a:solidFill>
-                  <a:schemeClr val="lt1"/>
-                </a:solidFill>
-                <a:latin typeface="Calibri" panose="020F0502020204030204"/>
-                <a:ea typeface="Calibri" panose="020F0502020204030204"/>
-                <a:cs typeface="Calibri" panose="020F0502020204030204"/>
-                <a:sym typeface="Calibri" panose="020F0502020204030204"/>
-              </a:endParaRPr>
             </a:p>
           </p:txBody>
         </p:sp>
@@ -17329,6 +17142,7 @@
                 </a:spcAft>
                 <a:buNone/>
               </a:pPr>
+              <a:endParaRPr/>
             </a:p>
           </p:txBody>
         </p:sp>
@@ -17386,15 +17200,6 @@
                 </a:rPr>
                 <a:t>Bu veri kuyruğu en fazla 10 değer alabilmelidir.</a:t>
               </a:r>
-              <a:endParaRPr lang="en-US" sz="2900">
-                <a:solidFill>
-                  <a:schemeClr val="lt1"/>
-                </a:solidFill>
-                <a:latin typeface="Calibri" panose="020F0502020204030204"/>
-                <a:ea typeface="Calibri" panose="020F0502020204030204"/>
-                <a:cs typeface="Calibri" panose="020F0502020204030204"/>
-                <a:sym typeface="Calibri" panose="020F0502020204030204"/>
-              </a:endParaRPr>
             </a:p>
           </p:txBody>
         </p:sp>
@@ -17447,6 +17252,7 @@
                 </a:spcAft>
                 <a:buNone/>
               </a:pPr>
+              <a:endParaRPr/>
             </a:p>
           </p:txBody>
         </p:sp>
@@ -17504,15 +17310,6 @@
                 </a:rPr>
                 <a:t>Okuma işlemi yapıldıktan sonra değer veri kuyruğundan çıkarılmalıdır.</a:t>
               </a:r>
-              <a:endParaRPr lang="en-US" sz="2900">
-                <a:solidFill>
-                  <a:schemeClr val="lt1"/>
-                </a:solidFill>
-                <a:latin typeface="Calibri" panose="020F0502020204030204"/>
-                <a:ea typeface="Calibri" panose="020F0502020204030204"/>
-                <a:cs typeface="Calibri" panose="020F0502020204030204"/>
-                <a:sym typeface="Calibri" panose="020F0502020204030204"/>
-              </a:endParaRPr>
             </a:p>
           </p:txBody>
         </p:sp>
@@ -17524,7 +17321,7 @@
           <p:nvPr/>
         </p:nvPicPr>
         <p:blipFill rotWithShape="1">
-          <a:blip r:embed="rId1"/>
+          <a:blip r:embed="rId3"/>
           <a:srcRect/>
           <a:stretch>
             <a:fillRect/>
@@ -17590,15 +17387,6 @@
               </a:rPr>
               <a:t>Wait and Notify</a:t>
             </a:r>
-            <a:endParaRPr lang="en-US" sz="1800">
-              <a:solidFill>
-                <a:schemeClr val="accent1"/>
-              </a:solidFill>
-              <a:latin typeface="Calibri" panose="020F0502020204030204"/>
-              <a:ea typeface="Calibri" panose="020F0502020204030204"/>
-              <a:cs typeface="Calibri" panose="020F0502020204030204"/>
-              <a:sym typeface="Calibri" panose="020F0502020204030204"/>
-            </a:endParaRPr>
           </a:p>
         </p:txBody>
       </p:sp>
@@ -17673,7 +17461,6 @@
               <a:rPr lang="en-US"/>
               <a:t>Thread Yaşam Döngüsü</a:t>
             </a:r>
-            <a:endParaRPr lang="en-US"/>
           </a:p>
         </p:txBody>
       </p:sp>
@@ -17730,7 +17517,7 @@
           <p:nvPr/>
         </p:nvPicPr>
         <p:blipFill rotWithShape="1">
-          <a:blip r:embed="rId1"/>
+          <a:blip r:embed="rId3"/>
           <a:srcRect/>
           <a:stretch>
             <a:fillRect/>
@@ -17823,7 +17610,6 @@
               <a:rPr lang="en-US"/>
               <a:t>Thread Yaşam Döngüsü</a:t>
             </a:r>
-            <a:endParaRPr lang="en-US"/>
           </a:p>
         </p:txBody>
       </p:sp>
@@ -17877,15 +17663,6 @@
               </a:rPr>
               <a:t>NEW : Bir thread ilk yaratıldığı anda NEW state bilgisine sahip olur.</a:t>
             </a:r>
-            <a:endParaRPr lang="en-US" b="0" i="0">
-              <a:solidFill>
-                <a:srgbClr val="292929"/>
-              </a:solidFill>
-              <a:latin typeface="Arial" panose="020B0604020202020204"/>
-              <a:ea typeface="Arial" panose="020B0604020202020204"/>
-              <a:cs typeface="Arial" panose="020B0604020202020204"/>
-              <a:sym typeface="Arial" panose="020B0604020202020204"/>
-            </a:endParaRPr>
           </a:p>
           <a:p>
             <a:pPr marL="228600" lvl="0" indent="-228600" algn="l" rtl="0">
@@ -17913,15 +17690,6 @@
               </a:rPr>
               <a:t>RUNNABLE : start() metodunu çağırdığımız anda threadin state bilgisi Runnable olarak atanır ve artık thread çalışmaya hazırdır. Fakat biz start() metodunu çağırdığımızda direk çalışmaya başlamaz sadece scheduler (planlayıcı) ın kendisine CPU zamanı vermesini bekler.</a:t>
             </a:r>
-            <a:endParaRPr lang="en-US" b="0" i="0">
-              <a:solidFill>
-                <a:srgbClr val="292929"/>
-              </a:solidFill>
-              <a:latin typeface="Arial" panose="020B0604020202020204"/>
-              <a:ea typeface="Arial" panose="020B0604020202020204"/>
-              <a:cs typeface="Arial" panose="020B0604020202020204"/>
-              <a:sym typeface="Arial" panose="020B0604020202020204"/>
-            </a:endParaRPr>
           </a:p>
           <a:p>
             <a:pPr marL="228600" lvl="0" indent="-228600" algn="l" rtl="0">
@@ -17949,15 +17717,6 @@
               </a:rPr>
               <a:t>BLOCKED : Bir thread bir input beklerken yada başka bir thread tarafından lock edilmiş bir obje üzerinde erişim izni beklerken BLOCKED durumuna geçer. Burada threadin blocked durumuna geçmesine başka threadler neden olur.</a:t>
             </a:r>
-            <a:endParaRPr lang="en-US" b="0" i="0">
-              <a:solidFill>
-                <a:srgbClr val="292929"/>
-              </a:solidFill>
-              <a:latin typeface="Arial" panose="020B0604020202020204"/>
-              <a:ea typeface="Arial" panose="020B0604020202020204"/>
-              <a:cs typeface="Arial" panose="020B0604020202020204"/>
-              <a:sym typeface="Arial" panose="020B0604020202020204"/>
-            </a:endParaRPr>
           </a:p>
           <a:p>
             <a:pPr marL="228600" lvl="0" indent="-228600" algn="l" rtl="0">
@@ -17985,15 +17744,6 @@
               </a:rPr>
               <a:t>WAITING : Bir thread başka bir thread tarafından bir aksiyonun gerçekleştirilmesini bekliyorsa o zaman waiting durumuna geçer. Burada thread wait() metodunu yada join() metodunu çağırdığı zaman bu durum gerçekleşir. Bu duruma geçmeye thread kendisi karar verir.</a:t>
             </a:r>
-            <a:endParaRPr lang="en-US" b="0" i="0">
-              <a:solidFill>
-                <a:srgbClr val="292929"/>
-              </a:solidFill>
-              <a:latin typeface="Arial" panose="020B0604020202020204"/>
-              <a:ea typeface="Arial" panose="020B0604020202020204"/>
-              <a:cs typeface="Arial" panose="020B0604020202020204"/>
-              <a:sym typeface="Arial" panose="020B0604020202020204"/>
-            </a:endParaRPr>
           </a:p>
           <a:p>
             <a:pPr marL="228600" lvl="0" indent="-228600" algn="l" rtl="0">
@@ -18021,15 +17771,6 @@
               </a:rPr>
               <a:t>TIMED_WAITING : sleep(), wait() yada join() metodlarının timeout bilgisi ile çağırılması sonucu threadin sahip olduğu durumdur.</a:t>
             </a:r>
-            <a:endParaRPr lang="en-US" b="0" i="0">
-              <a:solidFill>
-                <a:srgbClr val="292929"/>
-              </a:solidFill>
-              <a:latin typeface="Arial" panose="020B0604020202020204"/>
-              <a:ea typeface="Arial" panose="020B0604020202020204"/>
-              <a:cs typeface="Arial" panose="020B0604020202020204"/>
-              <a:sym typeface="Arial" panose="020B0604020202020204"/>
-            </a:endParaRPr>
           </a:p>
           <a:p>
             <a:pPr marL="228600" lvl="0" indent="-228600" algn="l" rtl="0">
@@ -18057,15 +17798,6 @@
               </a:rPr>
               <a:t>TERMINATED : Bir threadin başarıyla yada hata olarak son bulması durumunda sahip olduğu durumdur.</a:t>
             </a:r>
-            <a:endParaRPr lang="en-US" b="0" i="0">
-              <a:solidFill>
-                <a:srgbClr val="292929"/>
-              </a:solidFill>
-              <a:latin typeface="Arial" panose="020B0604020202020204"/>
-              <a:ea typeface="Arial" panose="020B0604020202020204"/>
-              <a:cs typeface="Arial" panose="020B0604020202020204"/>
-              <a:sym typeface="Arial" panose="020B0604020202020204"/>
-            </a:endParaRPr>
           </a:p>
           <a:p>
             <a:pPr marL="228600" lvl="0" indent="-228600" algn="l" rtl="0">
@@ -18093,15 +17825,6 @@
               </a:rPr>
               <a:t>Bir threadin state bilgisi getState() metodu çağrılarak alınabilir fakat bu state bilgisi threadi kontrol etmek için kullanılamaz, çünkü bir bu değeri okuduktan hemen sonra değer değişebilir. Bu bilgiyi daha çok debug amaçlı kullanmakta fayda var.</a:t>
             </a:r>
-            <a:endParaRPr lang="en-US" b="0" i="0">
-              <a:solidFill>
-                <a:srgbClr val="292929"/>
-              </a:solidFill>
-              <a:latin typeface="Arial" panose="020B0604020202020204"/>
-              <a:ea typeface="Arial" panose="020B0604020202020204"/>
-              <a:cs typeface="Arial" panose="020B0604020202020204"/>
-              <a:sym typeface="Arial" panose="020B0604020202020204"/>
-            </a:endParaRPr>
           </a:p>
         </p:txBody>
       </p:sp>
@@ -18176,7 +17899,6 @@
               <a:rPr lang="en-US"/>
               <a:t>MultiTasking ve MultiThreading Nedir?</a:t>
             </a:r>
-            <a:endParaRPr lang="en-US"/>
           </a:p>
         </p:txBody>
       </p:sp>
@@ -21322,7 +21044,6 @@
               <a:rPr lang="en-US"/>
               <a:t>Concurrent API</a:t>
             </a:r>
-            <a:endParaRPr lang="en-US"/>
           </a:p>
         </p:txBody>
       </p:sp>
@@ -21364,6 +21085,7 @@
               <a:buSzPts val="2400"/>
               <a:buNone/>
             </a:pPr>
+            <a:endParaRPr/>
           </a:p>
         </p:txBody>
       </p:sp>
@@ -21438,7 +21160,6 @@
               <a:rPr lang="en-US"/>
               <a:t>Concurrent API Nedir?</a:t>
             </a:r>
-            <a:endParaRPr lang="en-US"/>
           </a:p>
         </p:txBody>
       </p:sp>
@@ -21492,15 +21213,6 @@
               </a:rPr>
               <a:t>Bu kısma kadar Java’da thread yaratma, threadler arası iletişim ve öncelik atama gibi yönetim işlemlerinin nasıl yapıldığını ve bir threadin yaşam döngüsünü gördük. Bunu yaparken Thread sınıfı ve Runnable interface ini ve Object sınıfının bize sağladığı wait(), notify(), notifyAll() metodlarını kullandık. Bunlar her ne kadar kullanışlı araçlar olsa da bazı uygulamalar için daha üst seviye fonksiyonlara ihtiyacımız olur. İşte tam da bu ihtiyacı karşılamak için java diline concurrent paketi eklendi. Bu paket içerisinde semaphor gibi senkronizasyon sınıfları, thread pool ve execution manager gibi üst seviye fonksiyonları sağlayan sınıflar yeralmaktadır. Şimdi bunların detaylarına bakalım;</a:t>
             </a:r>
-            <a:endParaRPr lang="en-US" b="0" i="0">
-              <a:solidFill>
-                <a:srgbClr val="292929"/>
-              </a:solidFill>
-              <a:latin typeface="Arial" panose="020B0604020202020204"/>
-              <a:ea typeface="Arial" panose="020B0604020202020204"/>
-              <a:cs typeface="Arial" panose="020B0604020202020204"/>
-              <a:sym typeface="Arial" panose="020B0604020202020204"/>
-            </a:endParaRPr>
           </a:p>
         </p:txBody>
       </p:sp>
@@ -21575,7 +21287,6 @@
               <a:rPr lang="en-US"/>
               <a:t>Senkronizasyon Sınıfları</a:t>
             </a:r>
-            <a:endParaRPr lang="en-US"/>
           </a:p>
         </p:txBody>
       </p:sp>
@@ -21629,15 +21340,6 @@
               </a:rPr>
               <a:t>Thread senkronizasyonu önemli olduğu kadar bazı durumlarda çok karmaşık bir hal alabilmekte. İhtiyaçların çeşitliliği ve senkronizasyon işleminin karmaşıklığı karşısında Java dili concurrent paketi içerisinde bu işlemleri daha kolay hale getirmek için çeşitli senkronizasyon araçları sunuyor bize, şimdi bunları tek tek görelim.</a:t>
             </a:r>
-            <a:endParaRPr lang="en-US" b="0" i="0">
-              <a:solidFill>
-                <a:srgbClr val="292929"/>
-              </a:solidFill>
-              <a:latin typeface="Arial" panose="020B0604020202020204"/>
-              <a:ea typeface="Arial" panose="020B0604020202020204"/>
-              <a:cs typeface="Arial" panose="020B0604020202020204"/>
-              <a:sym typeface="Arial" panose="020B0604020202020204"/>
-            </a:endParaRPr>
           </a:p>
         </p:txBody>
       </p:sp>
@@ -21712,7 +21414,6 @@
               <a:rPr lang="en-US"/>
               <a:t>Semaphore</a:t>
             </a:r>
-            <a:endParaRPr lang="en-US"/>
           </a:p>
         </p:txBody>
       </p:sp>
@@ -21758,7 +21459,6 @@
               <a:rPr lang="en-US" b="0" i="0"/>
               <a:t>Semaphore sınıfı ortak kullanılan objeler üzerinde threadlerin sıra ile işlem yapmasına olanak verir. Bu işlemi daha önce de klasik thread ve Object sınıfının fonksiyonları ile de yapmıştık. Fakat Semaphore sınıfı bu işlemi çok daha kolay hale getiriyor.</a:t>
             </a:r>
-            <a:endParaRPr lang="en-US" b="0" i="0"/>
           </a:p>
         </p:txBody>
       </p:sp>
@@ -21769,7 +21469,7 @@
           <p:nvPr/>
         </p:nvPicPr>
         <p:blipFill rotWithShape="1">
-          <a:blip r:embed="rId1"/>
+          <a:blip r:embed="rId3"/>
           <a:srcRect/>
           <a:stretch>
             <a:fillRect/>
@@ -21777,7 +21477,7 @@
         </p:blipFill>
         <p:spPr>
           <a:xfrm>
-            <a:off x="5183188" y="1315181"/>
+            <a:off x="1516710" y="1235282"/>
             <a:ext cx="6172200" cy="3687889"/>
           </a:xfrm>
           <a:prstGeom prst="rect">
@@ -21862,7 +21562,6 @@
               <a:rPr lang="en-US"/>
               <a:t>Semaphore</a:t>
             </a:r>
-            <a:endParaRPr lang="en-US"/>
           </a:p>
         </p:txBody>
       </p:sp>
@@ -21924,7 +21623,6 @@
               <a:rPr lang="en-US" b="0" i="0"/>
               <a:t>() metodunu çağırır ve kaynağı serbest bırakır. Bu durumda ise semaphore objesinde tutulan değişkenin değeri azaltılır, bu değişkenin değeri 0 olduğu zaman kaynak erişime müsait demektir.</a:t>
             </a:r>
-            <a:endParaRPr lang="en-US" b="0" i="0"/>
           </a:p>
           <a:p>
             <a:pPr marL="228600" lvl="0" indent="-228600" algn="l" rtl="0">
@@ -21944,7 +21642,6 @@
               <a:rPr lang="en-US" b="0" i="0"/>
               <a:t>Semaphore sınıfının 2 tane constructoru vardır: Semaphore(int permits) Semaphore(int permits, boolean fair)</a:t>
             </a:r>
-            <a:endParaRPr lang="en-US" b="0" i="0"/>
           </a:p>
           <a:p>
             <a:pPr marL="228600" lvl="0" indent="-228600" algn="l" rtl="0">
@@ -21964,7 +21661,6 @@
               <a:rPr lang="en-US" b="0" i="0"/>
               <a:t>Burada permits parametresi başlangıçta verilecek erişim sayısını ayarlamak için, fair parametresi ise erişim dağıtma yöntemini belirlemek için kullanılır. fair parametresi true olması durumunda erişim bekleyen threadlere erişim isteme sırasına göre bu hak verirlir.</a:t>
             </a:r>
-            <a:endParaRPr lang="en-US" b="0" i="0"/>
           </a:p>
           <a:p>
             <a:pPr marL="228600" lvl="0" indent="-228600" algn="l" rtl="0">
@@ -21984,7 +21680,6 @@
               <a:rPr lang="en-US" b="0" i="0"/>
               <a:t>Şimdi Semaphore sınıfının nasıl kullanıldığını görmek için bir örnek yapalım;</a:t>
             </a:r>
-            <a:endParaRPr lang="en-US" b="0" i="0"/>
           </a:p>
         </p:txBody>
       </p:sp>
@@ -22063,7 +21758,6 @@
               <a:rPr lang="en-US"/>
               <a:t>Semaphore</a:t>
             </a:r>
-            <a:endParaRPr lang="en-US"/>
           </a:p>
         </p:txBody>
       </p:sp>
@@ -22078,7 +21772,7 @@
           </p:nvPr>
         </p:nvPicPr>
         <p:blipFill rotWithShape="1">
-          <a:blip r:embed="rId1"/>
+          <a:blip r:embed="rId3"/>
           <a:srcRect/>
           <a:stretch>
             <a:fillRect/>
@@ -22105,7 +21799,7 @@
           <p:nvPr/>
         </p:nvPicPr>
         <p:blipFill rotWithShape="1">
-          <a:blip r:embed="rId2"/>
+          <a:blip r:embed="rId4"/>
           <a:srcRect/>
           <a:stretch>
             <a:fillRect/>
@@ -22196,7 +21890,6 @@
               <a:rPr lang="en-US"/>
               <a:t>Semaphore</a:t>
             </a:r>
-            <a:endParaRPr lang="en-US"/>
           </a:p>
         </p:txBody>
       </p:sp>
@@ -22211,7 +21904,7 @@
           </p:nvPr>
         </p:nvPicPr>
         <p:blipFill rotWithShape="1">
-          <a:blip r:embed="rId1"/>
+          <a:blip r:embed="rId3"/>
           <a:stretch>
             <a:fillRect/>
           </a:stretch>
@@ -22301,7 +21994,6 @@
               <a:rPr lang="en-US"/>
               <a:t>Semaphore</a:t>
             </a:r>
-            <a:endParaRPr lang="en-US"/>
           </a:p>
         </p:txBody>
       </p:sp>
@@ -22355,15 +22047,6 @@
               </a:rPr>
               <a:t>Örnekte iki task ve bir tane de threadler tarafından paylaşılacak obje yarattık. Paylaşılan objenin içindeki statik int değişkeninin değerini bir thread ile artırırken diğer thread ile azalttık. Threadlerin aynı anda paylaşılan objeye erişmesini engellemek için ise bir semaphore objesi yarattık ve bu semaphore objesini threadlere haberleşmeleri için verdik. Çıktıda da görüldüğü gibi artırma ve azaltma threadleri semaphor objesi yardımıyla birbirlerini kesmediler.</a:t>
             </a:r>
-            <a:endParaRPr lang="en-US" b="0" i="0">
-              <a:solidFill>
-                <a:srgbClr val="292929"/>
-              </a:solidFill>
-              <a:latin typeface="Arial" panose="020B0604020202020204"/>
-              <a:ea typeface="Arial" panose="020B0604020202020204"/>
-              <a:cs typeface="Arial" panose="020B0604020202020204"/>
-              <a:sym typeface="Arial" panose="020B0604020202020204"/>
-            </a:endParaRPr>
           </a:p>
           <a:p>
             <a:pPr marL="228600" lvl="0" indent="-228600" algn="l" rtl="0">
@@ -22391,15 +22074,6 @@
               </a:rPr>
               <a:t>Bu örnekte semaphor objesini yaratırken constructora ilk erişim sayısını 1 olarak verdiğimize dikkat edelim. Burada parametre olarak 1 değil de 0 verseydik bu durumda iki thread birden birbirini beklemeye başlayacaktı, çünkü semaphore’un permit sayısı 0 olduğu zaman erişim yetkisini vermek için bir threadin release() metodunu çağırmasını gerekir. Eğer erişim sayısını 1den daha büyük bir değer verseydik bu durumda da iki thread birden aynı anda çalışacak ve paylaşılan objeye erişimi istediğimiz gibi engelleyemeyecektik. Bu nedenle semaphore objesini yaratırken bu durumları göz önünde bulundurmak gerekir.</a:t>
             </a:r>
-            <a:endParaRPr lang="en-US" b="0" i="0">
-              <a:solidFill>
-                <a:srgbClr val="292929"/>
-              </a:solidFill>
-              <a:latin typeface="Arial" panose="020B0604020202020204"/>
-              <a:ea typeface="Arial" panose="020B0604020202020204"/>
-              <a:cs typeface="Arial" panose="020B0604020202020204"/>
-              <a:sym typeface="Arial" panose="020B0604020202020204"/>
-            </a:endParaRPr>
           </a:p>
         </p:txBody>
       </p:sp>
@@ -22474,7 +22148,6 @@
               <a:rPr lang="en-US"/>
               <a:t>Executor İle Verimli Thread Yönetimi</a:t>
             </a:r>
-            <a:endParaRPr lang="en-US"/>
           </a:p>
         </p:txBody>
       </p:sp>
@@ -22528,6 +22201,21 @@
               </a:rPr>
               <a:t>Bu noktaya kadarki tüm örneklerimizde Runnable interfaceini kullanarak tasklarımızı yarattık ve daha sonra bu taskları çalıştırmak üzere thread leri kendimiz manuel olarak yarattık. Bu işlem basit örnekler için yeterli olsa da gerçek hayat uygulamalarında thread yaratmak ve onları yönetmek çok maliyetli olabiliyor. İşte bu noktada threadleri yaratmak ve yönetmek için Java programlama dilinin bize sunduğu, farklı ihtiyaçlara cevap veren executorları kullanabiliriz.</a:t>
             </a:r>
+          </a:p>
+          <a:p>
+            <a:pPr marL="0" lvl="0" indent="0" algn="l" rtl="0">
+              <a:lnSpc>
+                <a:spcPct val="90000"/>
+              </a:lnSpc>
+              <a:spcBef>
+                <a:spcPts val="1000"/>
+              </a:spcBef>
+              <a:spcAft>
+                <a:spcPts val="0"/>
+              </a:spcAft>
+              <a:buSzPct val="100000"/>
+              <a:buNone/>
+            </a:pPr>
             <a:endParaRPr lang="en-US" b="0" i="0">
               <a:solidFill>
                 <a:srgbClr val="292929"/>
@@ -22538,21 +22226,6 @@
               <a:sym typeface="Arial" panose="020B0604020202020204"/>
             </a:endParaRPr>
           </a:p>
-          <a:p>
-            <a:pPr marL="0" lvl="0" indent="0" algn="l" rtl="0">
-              <a:lnSpc>
-                <a:spcPct val="90000"/>
-              </a:lnSpc>
-              <a:spcBef>
-                <a:spcPts val="1000"/>
-              </a:spcBef>
-              <a:spcAft>
-                <a:spcPts val="0"/>
-              </a:spcAft>
-              <a:buSzPct val="100000"/>
-              <a:buNone/>
-            </a:pPr>
-          </a:p>
         </p:txBody>
       </p:sp>
       <p:pic>
@@ -22566,7 +22239,7 @@
           </p:nvPr>
         </p:nvPicPr>
         <p:blipFill rotWithShape="1">
-          <a:blip r:embed="rId1"/>
+          <a:blip r:embed="rId3"/>
           <a:stretch>
             <a:fillRect/>
           </a:stretch>
@@ -22658,7 +22331,6 @@
               <a:rPr lang="en-US"/>
               <a:t>MultiThreading vs MultiTasking</a:t>
             </a:r>
-            <a:endParaRPr lang="en-US"/>
           </a:p>
         </p:txBody>
       </p:sp>
@@ -22680,8 +22352,20 @@
                 <a:tableStyleId>{30872CB0-1502-4BF2-850D-90263E9FC0BD}</a:tableStyleId>
               </a:tblPr>
               <a:tblGrid>
-                <a:gridCol w="5370425"/>
-                <a:gridCol w="5370425"/>
+                <a:gridCol w="5370425">
+                  <a:extLst>
+                    <a:ext uri="{9D8B030D-6E8A-4147-A177-3AD203B41FA5}">
+                      <a16:colId xmlns:a16="http://schemas.microsoft.com/office/drawing/2014/main" val="20000"/>
+                    </a:ext>
+                  </a:extLst>
+                </a:gridCol>
+                <a:gridCol w="5370425">
+                  <a:extLst>
+                    <a:ext uri="{9D8B030D-6E8A-4147-A177-3AD203B41FA5}">
+                      <a16:colId xmlns:a16="http://schemas.microsoft.com/office/drawing/2014/main" val="20001"/>
+                    </a:ext>
+                  </a:extLst>
+                </a:gridCol>
               </a:tblGrid>
               <a:tr h="484325">
                 <a:tc>
@@ -22702,7 +22386,6 @@
                         <a:rPr lang="en-US" sz="1800" u="none" strike="noStrike" cap="none"/>
                         <a:t>Multithreading</a:t>
                       </a:r>
-                      <a:endParaRPr lang="en-US" sz="1800" u="none" strike="noStrike" cap="none"/>
                     </a:p>
                   </a:txBody>
                   <a:tcPr marL="91450" marR="91450" marT="45725" marB="45725"/>
@@ -22725,11 +22408,15 @@
                         <a:rPr lang="en-US" sz="1800" u="none" strike="noStrike" cap="none"/>
                         <a:t>Multitasking</a:t>
                       </a:r>
-                      <a:endParaRPr lang="en-US" sz="1800" u="none" strike="noStrike" cap="none"/>
                     </a:p>
                   </a:txBody>
                   <a:tcPr marL="91450" marR="91450" marT="45725" marB="45725"/>
                 </a:tc>
+                <a:extLst>
+                  <a:ext uri="{0D108BD9-81ED-4DB2-BD59-A6C34878D82A}">
+                    <a16:rowId xmlns:a16="http://schemas.microsoft.com/office/drawing/2014/main" val="10000"/>
+                  </a:ext>
+                </a:extLst>
               </a:tr>
               <a:tr h="1552525">
                 <a:tc>
@@ -22750,7 +22437,6 @@
                         <a:rPr lang="en-US" sz="1800" u="none" strike="noStrike" cap="none"/>
                         <a:t>Bir program ya da process’I birden fazla parçaya bölerek parallel olarak çalıştırmasını sağlamaya dayanan bir programlama konseptidir.</a:t>
                       </a:r>
-                      <a:endParaRPr lang="en-US" sz="1800" u="none" strike="noStrike" cap="none"/>
                     </a:p>
                   </a:txBody>
                   <a:tcPr marL="91450" marR="91450" marT="45725" marB="45725"/>
@@ -22773,11 +22459,15 @@
                         <a:rPr lang="en-US" sz="1800"/>
                         <a:t>Birden fazla görevin aynı anda gerçekleştirildiği bir işletim sistemi konseptidir.</a:t>
                       </a:r>
-                      <a:endParaRPr lang="en-US" sz="1800"/>
                     </a:p>
                   </a:txBody>
                   <a:tcPr marL="91450" marR="91450" marT="45725" marB="45725"/>
                 </a:tc>
+                <a:extLst>
+                  <a:ext uri="{0D108BD9-81ED-4DB2-BD59-A6C34878D82A}">
+                    <a16:rowId xmlns:a16="http://schemas.microsoft.com/office/drawing/2014/main" val="10001"/>
+                  </a:ext>
+                </a:extLst>
               </a:tr>
               <a:tr h="835975">
                 <a:tc>
@@ -22798,7 +22488,6 @@
                         <a:rPr lang="en-US" sz="1800"/>
                         <a:t>Thread multithreading’in en küçük birimidir.</a:t>
                       </a:r>
-                      <a:endParaRPr lang="en-US" sz="1800"/>
                     </a:p>
                   </a:txBody>
                   <a:tcPr marL="91450" marR="91450" marT="45725" marB="45725"/>
@@ -22821,11 +22510,15 @@
                         <a:rPr lang="en-US" sz="1800"/>
                         <a:t>Bir program ya da process multitasking’in en küçük birimidir.</a:t>
                       </a:r>
-                      <a:endParaRPr lang="en-US" sz="1800"/>
                     </a:p>
                   </a:txBody>
                   <a:tcPr marL="91450" marR="91450" marT="45725" marB="45725"/>
                 </a:tc>
+                <a:extLst>
+                  <a:ext uri="{0D108BD9-81ED-4DB2-BD59-A6C34878D82A}">
+                    <a16:rowId xmlns:a16="http://schemas.microsoft.com/office/drawing/2014/main" val="10002"/>
+                  </a:ext>
+                </a:extLst>
               </a:tr>
               <a:tr h="835975">
                 <a:tc>
@@ -22846,7 +22539,6 @@
                         <a:rPr lang="en-US" sz="1800"/>
                         <a:t>Tek bir programın birden çok bölümünün aynı anda yürütülmesini sağlar.</a:t>
                       </a:r>
-                      <a:endParaRPr lang="en-US" sz="1800"/>
                     </a:p>
                   </a:txBody>
                   <a:tcPr marL="91450" marR="91450" marT="45725" marB="45725"/>
@@ -22869,11 +22561,15 @@
                         <a:rPr lang="en-US" sz="1800"/>
                         <a:t>Birden fazla programın aynı anda yürütülmesini sağlar.</a:t>
                       </a:r>
-                      <a:endParaRPr lang="en-US" sz="1800"/>
                     </a:p>
                   </a:txBody>
                   <a:tcPr marL="91450" marR="91450" marT="45725" marB="45725"/>
                 </a:tc>
+                <a:extLst>
+                  <a:ext uri="{0D108BD9-81ED-4DB2-BD59-A6C34878D82A}">
+                    <a16:rowId xmlns:a16="http://schemas.microsoft.com/office/drawing/2014/main" val="10003"/>
+                  </a:ext>
+                </a:extLst>
               </a:tr>
               <a:tr h="1194250">
                 <a:tc>
@@ -22894,7 +22590,6 @@
                         <a:rPr lang="en-US" sz="1800"/>
                         <a:t>İşlemci programın içerisinde bulunan farklı parçalar ya da threadler arasında gidip gelir.</a:t>
                       </a:r>
-                      <a:endParaRPr lang="en-US" sz="1800"/>
                     </a:p>
                   </a:txBody>
                   <a:tcPr marL="91450" marR="91450" marT="45725" marB="45725"/>
@@ -22925,7 +22620,6 @@
                         <a:rPr lang="en-US" sz="1800"/>
                         <a:t>İşlemci programlar arasında gidip gelir.</a:t>
                       </a:r>
-                      <a:endParaRPr lang="en-US" sz="1800"/>
                     </a:p>
                     <a:p>
                       <a:pPr marL="0" marR="0" lvl="0" indent="0" algn="l" rtl="0">
@@ -22942,6 +22636,11 @@
                   </a:txBody>
                   <a:tcPr marL="91450" marR="91450" marT="45725" marB="45725"/>
                 </a:tc>
+                <a:extLst>
+                  <a:ext uri="{0D108BD9-81ED-4DB2-BD59-A6C34878D82A}">
+                    <a16:rowId xmlns:a16="http://schemas.microsoft.com/office/drawing/2014/main" val="10004"/>
+                  </a:ext>
+                </a:extLst>
               </a:tr>
             </a:tbl>
           </a:graphicData>
@@ -23018,7 +22717,6 @@
               <a:rPr lang="en-US"/>
               <a:t>Executor İle Verimli Thread Yönetimi</a:t>
             </a:r>
-            <a:endParaRPr lang="en-US"/>
           </a:p>
         </p:txBody>
       </p:sp>
@@ -23072,15 +22770,6 @@
               </a:rPr>
               <a:t>Executorların en tepesinde yukardaki resimde görüldüğü gibi Executor interface i yer alır. Bu Executor interface execute() isimli bir adet metod bulundurur ve bu metod parametre olarak Runnable interfaceinden türetilmiş bir task alır.</a:t>
             </a:r>
-            <a:endParaRPr lang="en-US" b="0" i="0">
-              <a:solidFill>
-                <a:srgbClr val="292929"/>
-              </a:solidFill>
-              <a:latin typeface="Arial" panose="020B0604020202020204"/>
-              <a:ea typeface="Arial" panose="020B0604020202020204"/>
-              <a:cs typeface="Arial" panose="020B0604020202020204"/>
-              <a:sym typeface="Arial" panose="020B0604020202020204"/>
-            </a:endParaRPr>
           </a:p>
           <a:p>
             <a:pPr marL="228600" lvl="0" indent="-238125" algn="l" rtl="0">
@@ -23108,15 +22797,6 @@
               </a:rPr>
               <a:t>Executor interfaceini extend eden ve threadler üzerinde daha fazla işlem yapmaya yarayan metodlar içeren aynı zamanda threadleri işletip sonuç dönmeye yarayan metodlar da bulunduran ExecutorService interfacei de concurrent paket altında yeralır.</a:t>
             </a:r>
-            <a:endParaRPr lang="en-US" b="0" i="0">
-              <a:solidFill>
-                <a:srgbClr val="292929"/>
-              </a:solidFill>
-              <a:latin typeface="Arial" panose="020B0604020202020204"/>
-              <a:ea typeface="Arial" panose="020B0604020202020204"/>
-              <a:cs typeface="Arial" panose="020B0604020202020204"/>
-              <a:sym typeface="Arial" panose="020B0604020202020204"/>
-            </a:endParaRPr>
           </a:p>
           <a:p>
             <a:pPr marL="228600" lvl="0" indent="-238125" algn="l" rtl="0">
@@ -23144,15 +22824,6 @@
               </a:rPr>
               <a:t>ExecutorService interfaceini extend eden ScheduledExecutorService interfacei ise threadleri farklı zamanlarda çalıştırmak için zamanlamaya yarayan metodları barındırır.</a:t>
             </a:r>
-            <a:endParaRPr lang="en-US" b="0" i="0">
-              <a:solidFill>
-                <a:srgbClr val="292929"/>
-              </a:solidFill>
-              <a:latin typeface="Arial" panose="020B0604020202020204"/>
-              <a:ea typeface="Arial" panose="020B0604020202020204"/>
-              <a:cs typeface="Arial" panose="020B0604020202020204"/>
-              <a:sym typeface="Arial" panose="020B0604020202020204"/>
-            </a:endParaRPr>
           </a:p>
           <a:p>
             <a:pPr marL="228600" lvl="0" indent="-238125" algn="l" rtl="0">
@@ -23216,15 +22887,6 @@
               </a:rPr>
               <a:t>.</a:t>
             </a:r>
-            <a:endParaRPr lang="en-US">
-              <a:solidFill>
-                <a:srgbClr val="292929"/>
-              </a:solidFill>
-              <a:latin typeface="Arial" panose="020B0604020202020204"/>
-              <a:ea typeface="Arial" panose="020B0604020202020204"/>
-              <a:cs typeface="Arial" panose="020B0604020202020204"/>
-              <a:sym typeface="Arial" panose="020B0604020202020204"/>
-            </a:endParaRPr>
           </a:p>
           <a:p>
             <a:pPr marL="228600" lvl="0" indent="-238125" algn="l" rtl="0">
@@ -23347,7 +23009,6 @@
               <a:rPr lang="en-US"/>
               <a:t>Executor İle Verimli Thread Yönetimi</a:t>
             </a:r>
-            <a:endParaRPr lang="en-US"/>
           </a:p>
         </p:txBody>
       </p:sp>
@@ -23393,7 +23054,6 @@
               <a:rPr lang="en-US"/>
               <a:t>Bir thread pool bir grup taskı her bir task için ayrı thread yaratmadan havuzda var olan threadleri tekrar tekrar kullanarak işletmeye yarar. Bu işlemi yönetmek için bir executor yaratmak gerekir. Executor yaratmak için ise Java’da Executors isimli utility sınıfının static metodları kullanılabilir, bu metodlar aşağıdaki gibidir;</a:t>
             </a:r>
-            <a:endParaRPr lang="en-US"/>
           </a:p>
           <a:p>
             <a:pPr marL="228600" lvl="0" indent="-228600" algn="l" rtl="0">
@@ -23413,7 +23073,6 @@
               <a:rPr lang="en-US"/>
               <a:t>static ExecutorService newCachedThreadPool( )</a:t>
             </a:r>
-            <a:endParaRPr lang="en-US"/>
           </a:p>
           <a:p>
             <a:pPr marL="228600" lvl="0" indent="-228600" algn="l" rtl="0">
@@ -23433,7 +23092,6 @@
               <a:rPr lang="en-US"/>
               <a:t>static ExecutorService newFixedThreadPool(int numThreads)</a:t>
             </a:r>
-            <a:endParaRPr lang="en-US"/>
           </a:p>
           <a:p>
             <a:pPr marL="228600" lvl="0" indent="-228600" algn="l" rtl="0">
@@ -23453,7 +23111,6 @@
               <a:rPr lang="en-US"/>
               <a:t>static ScheduledExecutorService newScheduledThreadPool(int numThreads)</a:t>
             </a:r>
-            <a:endParaRPr lang="en-US"/>
           </a:p>
           <a:p>
             <a:pPr marL="228600" lvl="0" indent="-228600" algn="l" rtl="0">
@@ -23473,7 +23130,6 @@
               <a:rPr lang="en-US"/>
               <a:t>newFixedThreadPool() metodu belli sayıda threadden oluşan ve yeni thread ekleme yapmadan gerektiğinde boş durumdaki threadleri kullanmaya yarayan bir executor yaratır, bu executor boşta thread yoksa taskları beklemeye alır. newCachedThreadPool() metodu ise gerektiğinde havuzdaki boşta olan threadleri kullanmaya yarayan ama boşta thread olmadığında ise havuza yeni thread ekleyen bir executor yaratır. newScheduledThreadPool() ise thread pool mantığını ve threadlerin üzerinde zamanlamayı mümkün kılan bir executor yaratır.</a:t>
             </a:r>
-            <a:endParaRPr lang="en-US"/>
           </a:p>
         </p:txBody>
       </p:sp>
@@ -23548,7 +23204,6 @@
               <a:rPr lang="en-US"/>
               <a:t>Process Nedir?</a:t>
             </a:r>
-            <a:endParaRPr lang="en-US"/>
           </a:p>
         </p:txBody>
       </p:sp>
@@ -23594,7 +23249,6 @@
               <a:rPr lang="en-US"/>
               <a:t>Process, bilgisayar üzerinde çalışmakta olan uygulamadır. Örnek: Spotify, IntellijIdea, Google Chrome.</a:t>
             </a:r>
-            <a:endParaRPr lang="en-US"/>
           </a:p>
           <a:p>
             <a:pPr marL="228600" lvl="0" indent="-228600" algn="l" rtl="0">
@@ -23614,7 +23268,6 @@
               <a:rPr lang="en-US"/>
               <a:t>Her process bellekte kendi memory space’ine (bellek alanına) sahiptir.</a:t>
             </a:r>
-            <a:endParaRPr lang="en-US"/>
           </a:p>
           <a:p>
             <a:pPr marL="228600" lvl="0" indent="-228600" algn="l" rtl="0">
@@ -23634,7 +23287,6 @@
               <a:rPr lang="en-US"/>
               <a:t>Bir java uygulaması çalıştırıldığında JVM (Java Virtual Machine) üzerinde çalışan bir process’e dönüşür.</a:t>
             </a:r>
-            <a:endParaRPr lang="en-US"/>
           </a:p>
           <a:p>
             <a:pPr marL="228600" lvl="0" indent="-228600" algn="l" rtl="0">
@@ -23654,7 +23306,6 @@
               <a:rPr lang="en-US"/>
               <a:t>Java uygulamaları process’e dönüştükleri zaman yani çalışmaya başladıkları andan itibaren kendi memory space’lerine yani heap memorylerine sahip olurlar.</a:t>
             </a:r>
-            <a:endParaRPr lang="en-US"/>
           </a:p>
           <a:p>
             <a:pPr marL="228600" lvl="0" indent="-228600" algn="l" rtl="0">
@@ -23674,7 +23325,6 @@
               <a:rPr lang="en-US"/>
               <a:t>Ayrı processlerde bulunan uygulamalar birbirlerinin bellek alanlarına ya da heaplerine erişemezler.</a:t>
             </a:r>
-            <a:endParaRPr lang="en-US"/>
           </a:p>
         </p:txBody>
       </p:sp>
@@ -23749,7 +23399,6 @@
               <a:rPr lang="en-US"/>
               <a:t>İki farklı process birbirlerinin bellek alanlarına erişemezler.</a:t>
             </a:r>
-            <a:endParaRPr lang="en-US"/>
           </a:p>
         </p:txBody>
       </p:sp>
@@ -23764,7 +23413,7 @@
           </p:nvPr>
         </p:nvPicPr>
         <p:blipFill rotWithShape="1">
-          <a:blip r:embed="rId1"/>
+          <a:blip r:embed="rId3"/>
           <a:srcRect/>
           <a:stretch>
             <a:fillRect/>
@@ -23840,15 +23489,6 @@
               </a:rPr>
               <a:t>App1</a:t>
             </a:r>
-            <a:endParaRPr lang="en-US" sz="1800" b="0" i="0" u="none" strike="noStrike" cap="none">
-              <a:solidFill>
-                <a:srgbClr val="000000"/>
-              </a:solidFill>
-              <a:latin typeface="Calibri" panose="020F0502020204030204"/>
-              <a:ea typeface="Calibri" panose="020F0502020204030204"/>
-              <a:cs typeface="Calibri" panose="020F0502020204030204"/>
-              <a:sym typeface="Calibri" panose="020F0502020204030204"/>
-            </a:endParaRPr>
           </a:p>
         </p:txBody>
       </p:sp>
@@ -23908,15 +23548,6 @@
               </a:rPr>
               <a:t>App2</a:t>
             </a:r>
-            <a:endParaRPr lang="en-US" sz="1800">
-              <a:solidFill>
-                <a:srgbClr val="000000"/>
-              </a:solidFill>
-              <a:latin typeface="Calibri" panose="020F0502020204030204"/>
-              <a:ea typeface="Calibri" panose="020F0502020204030204"/>
-              <a:cs typeface="Calibri" panose="020F0502020204030204"/>
-              <a:sym typeface="Calibri" panose="020F0502020204030204"/>
-            </a:endParaRPr>
           </a:p>
         </p:txBody>
       </p:sp>
@@ -23976,15 +23607,6 @@
               </a:rPr>
               <a:t>Heap</a:t>
             </a:r>
-            <a:endParaRPr lang="en-US" sz="1800">
-              <a:solidFill>
-                <a:srgbClr val="000000"/>
-              </a:solidFill>
-              <a:latin typeface="Calibri" panose="020F0502020204030204"/>
-              <a:ea typeface="Calibri" panose="020F0502020204030204"/>
-              <a:cs typeface="Calibri" panose="020F0502020204030204"/>
-              <a:sym typeface="Calibri" panose="020F0502020204030204"/>
-            </a:endParaRPr>
           </a:p>
         </p:txBody>
       </p:sp>
@@ -24044,15 +23666,6 @@
               </a:rPr>
               <a:t>Heap</a:t>
             </a:r>
-            <a:endParaRPr lang="en-US" sz="1800">
-              <a:solidFill>
-                <a:srgbClr val="000000"/>
-              </a:solidFill>
-              <a:latin typeface="Calibri" panose="020F0502020204030204"/>
-              <a:ea typeface="Calibri" panose="020F0502020204030204"/>
-              <a:cs typeface="Calibri" panose="020F0502020204030204"/>
-              <a:sym typeface="Calibri" panose="020F0502020204030204"/>
-            </a:endParaRPr>
           </a:p>
         </p:txBody>
       </p:sp>
@@ -24243,7 +23856,6 @@
               <a:rPr lang="en-US"/>
               <a:t>Thread Nedir?</a:t>
             </a:r>
-            <a:endParaRPr lang="en-US"/>
           </a:p>
         </p:txBody>
       </p:sp>
@@ -24289,7 +23901,6 @@
               <a:rPr lang="en-US" sz="1500"/>
               <a:t>Thread, bir processin içerisinde bulunan bir iş parçacığıdır. Her Java program bir threade sahiptir. Hiç thread oluşturmasak dahi main metodu sayesinde main thread oluşturulur. Bu main metodunun oluşturmuş olduğu main threadden farklı olarak kendi threadlerimizi oluşturabiliriz.</a:t>
             </a:r>
-            <a:endParaRPr lang="en-US" sz="1500"/>
           </a:p>
           <a:p>
             <a:pPr marL="0" lvl="0" indent="0" algn="ctr" rtl="0">
@@ -24309,7 +23920,6 @@
               <a:rPr lang="en-US" sz="1500"/>
               <a:t>Threadler processlerin içerisinde oluştuğu için processin bellek alanına erişebilirler.</a:t>
             </a:r>
-            <a:endParaRPr lang="en-US" sz="1500"/>
           </a:p>
           <a:p>
             <a:pPr marL="0" lvl="0" indent="0" algn="ctr" rtl="0">
@@ -24337,7 +23947,6 @@
               <a:rPr lang="en-US" sz="1500"/>
               <a:t>bulunur.</a:t>
             </a:r>
-            <a:endParaRPr lang="en-US" sz="1500"/>
           </a:p>
         </p:txBody>
       </p:sp>
@@ -24412,7 +24021,6 @@
               <a:rPr lang="en-US"/>
               <a:t>Bir process içerisindeki iki farklı thread bellek alanına erişebilirler.</a:t>
             </a:r>
-            <a:endParaRPr lang="en-US"/>
           </a:p>
         </p:txBody>
       </p:sp>
@@ -24427,7 +24035,7 @@
           </p:nvPr>
         </p:nvPicPr>
         <p:blipFill rotWithShape="1">
-          <a:blip r:embed="rId1"/>
+          <a:blip r:embed="rId3"/>
           <a:srcRect/>
           <a:stretch>
             <a:fillRect/>
@@ -24503,15 +24111,6 @@
               </a:rPr>
               <a:t>App1</a:t>
             </a:r>
-            <a:endParaRPr lang="en-US" sz="1800" b="1">
-              <a:solidFill>
-                <a:srgbClr val="000000"/>
-              </a:solidFill>
-              <a:latin typeface="Calibri" panose="020F0502020204030204"/>
-              <a:ea typeface="Calibri" panose="020F0502020204030204"/>
-              <a:cs typeface="Calibri" panose="020F0502020204030204"/>
-              <a:sym typeface="Calibri" panose="020F0502020204030204"/>
-            </a:endParaRPr>
           </a:p>
         </p:txBody>
       </p:sp>
@@ -24571,15 +24170,6 @@
               </a:rPr>
               <a:t>App2</a:t>
             </a:r>
-            <a:endParaRPr lang="en-US" sz="1800">
-              <a:solidFill>
-                <a:srgbClr val="000000"/>
-              </a:solidFill>
-              <a:latin typeface="Calibri" panose="020F0502020204030204"/>
-              <a:ea typeface="Calibri" panose="020F0502020204030204"/>
-              <a:cs typeface="Calibri" panose="020F0502020204030204"/>
-              <a:sym typeface="Calibri" panose="020F0502020204030204"/>
-            </a:endParaRPr>
           </a:p>
         </p:txBody>
       </p:sp>
@@ -24639,15 +24229,6 @@
               </a:rPr>
               <a:t>Heap</a:t>
             </a:r>
-            <a:endParaRPr lang="en-US" sz="1800">
-              <a:solidFill>
-                <a:srgbClr val="000000"/>
-              </a:solidFill>
-              <a:latin typeface="Calibri" panose="020F0502020204030204"/>
-              <a:ea typeface="Calibri" panose="020F0502020204030204"/>
-              <a:cs typeface="Calibri" panose="020F0502020204030204"/>
-              <a:sym typeface="Calibri" panose="020F0502020204030204"/>
-            </a:endParaRPr>
           </a:p>
         </p:txBody>
       </p:sp>
@@ -24707,15 +24288,6 @@
               </a:rPr>
               <a:t>Heap</a:t>
             </a:r>
-            <a:endParaRPr lang="en-US" sz="1800">
-              <a:solidFill>
-                <a:srgbClr val="000000"/>
-              </a:solidFill>
-              <a:latin typeface="Calibri" panose="020F0502020204030204"/>
-              <a:ea typeface="Calibri" panose="020F0502020204030204"/>
-              <a:cs typeface="Calibri" panose="020F0502020204030204"/>
-              <a:sym typeface="Calibri" panose="020F0502020204030204"/>
-            </a:endParaRPr>
           </a:p>
         </p:txBody>
       </p:sp>
@@ -24900,15 +24472,6 @@
               </a:rPr>
               <a:t>Thread 1</a:t>
             </a:r>
-            <a:endParaRPr lang="en-US" sz="800">
-              <a:solidFill>
-                <a:schemeClr val="dk1"/>
-              </a:solidFill>
-              <a:latin typeface="Calibri" panose="020F0502020204030204"/>
-              <a:ea typeface="Calibri" panose="020F0502020204030204"/>
-              <a:cs typeface="Calibri" panose="020F0502020204030204"/>
-              <a:sym typeface="Calibri" panose="020F0502020204030204"/>
-            </a:endParaRPr>
           </a:p>
         </p:txBody>
       </p:sp>
@@ -24977,15 +24540,6 @@
               </a:rPr>
               <a:t>Thread 2</a:t>
             </a:r>
-            <a:endParaRPr lang="en-US" sz="800">
-              <a:solidFill>
-                <a:schemeClr val="dk1"/>
-              </a:solidFill>
-              <a:latin typeface="Calibri" panose="020F0502020204030204"/>
-              <a:ea typeface="Calibri" panose="020F0502020204030204"/>
-              <a:cs typeface="Calibri" panose="020F0502020204030204"/>
-              <a:sym typeface="Calibri" panose="020F0502020204030204"/>
-            </a:endParaRPr>
           </a:p>
         </p:txBody>
       </p:sp>
@@ -25117,15 +24671,6 @@
               </a:rPr>
               <a:t>Thread 1</a:t>
             </a:r>
-            <a:endParaRPr lang="en-US" sz="800">
-              <a:solidFill>
-                <a:schemeClr val="dk1"/>
-              </a:solidFill>
-              <a:latin typeface="Calibri" panose="020F0502020204030204"/>
-              <a:ea typeface="Calibri" panose="020F0502020204030204"/>
-              <a:cs typeface="Calibri" panose="020F0502020204030204"/>
-              <a:sym typeface="Calibri" panose="020F0502020204030204"/>
-            </a:endParaRPr>
           </a:p>
         </p:txBody>
       </p:sp>
@@ -25214,15 +24759,6 @@
               </a:rPr>
               <a:t>Thread Stack</a:t>
             </a:r>
-            <a:endParaRPr lang="en-US" sz="800">
-              <a:solidFill>
-                <a:schemeClr val="lt1"/>
-              </a:solidFill>
-              <a:latin typeface="Calibri" panose="020F0502020204030204"/>
-              <a:ea typeface="Calibri" panose="020F0502020204030204"/>
-              <a:cs typeface="Calibri" panose="020F0502020204030204"/>
-              <a:sym typeface="Calibri" panose="020F0502020204030204"/>
-            </a:endParaRPr>
           </a:p>
         </p:txBody>
       </p:sp>
@@ -25280,15 +24816,6 @@
               </a:rPr>
               <a:t>Thread Stack</a:t>
             </a:r>
-            <a:endParaRPr lang="en-US" sz="800">
-              <a:solidFill>
-                <a:schemeClr val="lt1"/>
-              </a:solidFill>
-              <a:latin typeface="Calibri" panose="020F0502020204030204"/>
-              <a:ea typeface="Calibri" panose="020F0502020204030204"/>
-              <a:cs typeface="Calibri" panose="020F0502020204030204"/>
-              <a:sym typeface="Calibri" panose="020F0502020204030204"/>
-            </a:endParaRPr>
           </a:p>
         </p:txBody>
       </p:sp>
@@ -25346,15 +24873,6 @@
               </a:rPr>
               <a:t>Thread Stack</a:t>
             </a:r>
-            <a:endParaRPr lang="en-US" sz="800">
-              <a:solidFill>
-                <a:schemeClr val="lt1"/>
-              </a:solidFill>
-              <a:latin typeface="Calibri" panose="020F0502020204030204"/>
-              <a:ea typeface="Calibri" panose="020F0502020204030204"/>
-              <a:cs typeface="Calibri" panose="020F0502020204030204"/>
-              <a:sym typeface="Calibri" panose="020F0502020204030204"/>
-            </a:endParaRPr>
           </a:p>
         </p:txBody>
       </p:sp>
@@ -25585,6 +25103,8 @@
       </a:bgFillStyleLst>
     </a:fmtScheme>
   </a:themeElements>
+  <a:objectDefaults/>
+  <a:extraClrSchemeLst/>
   <a:extLst>
     <a:ext uri="{05A4C25C-085E-4340-85A3-A5531E510DB2}">
       <thm15:themeFamily xmlns:thm15="http://schemas.microsoft.com/office/thememl/2012/main" name="Office Theme" id="{62F939B6-93AF-4DB8-9C6B-D6C7DFDC589F}" vid="{4A3C46E8-61CC-4603-A589-7422A47A8E4A}"/>
@@ -25869,6 +25389,8 @@
       </a:bgFillStyleLst>
     </a:fmtScheme>
   </a:themeElements>
+  <a:objectDefaults/>
+  <a:extraClrSchemeLst/>
   <a:extLst>
     <a:ext uri="{05A4C25C-085E-4340-85A3-A5531E510DB2}">
       <thm15:themeFamily xmlns:thm15="http://schemas.microsoft.com/office/thememl/2012/main" name="Office Theme" id="{62F939B6-93AF-4DB8-9C6B-D6C7DFDC589F}" vid="{4A3C46E8-61CC-4603-A589-7422A47A8E4A}"/>
